--- a/presentations/200205_agron600b/herzmann_600b.pptx
+++ b/presentations/200205_agron600b/herzmann_600b.pptx
@@ -5,15 +5,30 @@
     <p:sldMasterId id="2147483648" r:id="rId1"/>
   </p:sldMasterIdLst>
   <p:notesMasterIdLst>
-    <p:notesMasterId r:id="rId8"/>
+    <p:notesMasterId r:id="rId23"/>
   </p:notesMasterIdLst>
   <p:sldIdLst>
     <p:sldId id="256" r:id="rId2"/>
     <p:sldId id="257" r:id="rId3"/>
     <p:sldId id="261" r:id="rId4"/>
-    <p:sldId id="258" r:id="rId5"/>
-    <p:sldId id="259" r:id="rId6"/>
-    <p:sldId id="260" r:id="rId7"/>
+    <p:sldId id="265" r:id="rId5"/>
+    <p:sldId id="294" r:id="rId6"/>
+    <p:sldId id="272" r:id="rId7"/>
+    <p:sldId id="285" r:id="rId8"/>
+    <p:sldId id="295" r:id="rId9"/>
+    <p:sldId id="298" r:id="rId10"/>
+    <p:sldId id="296" r:id="rId11"/>
+    <p:sldId id="299" r:id="rId12"/>
+    <p:sldId id="279" r:id="rId13"/>
+    <p:sldId id="282" r:id="rId14"/>
+    <p:sldId id="283" r:id="rId15"/>
+    <p:sldId id="292" r:id="rId16"/>
+    <p:sldId id="293" r:id="rId17"/>
+    <p:sldId id="297" r:id="rId18"/>
+    <p:sldId id="258" r:id="rId19"/>
+    <p:sldId id="259" r:id="rId20"/>
+    <p:sldId id="260" r:id="rId21"/>
+    <p:sldId id="281" r:id="rId22"/>
   </p:sldIdLst>
   <p:sldSz cx="12192000" cy="6858000"/>
   <p:notesSz cx="6858000" cy="9144000"/>
@@ -112,6 +127,40 @@
       </a:defRPr>
     </a:lvl9pPr>
   </p:defaultTextStyle>
+  <p:extLst>
+    <p:ext uri="{521415D9-36F7-43E2-AB2F-B90AF26B5E84}">
+      <p14:sectionLst xmlns:p14="http://schemas.microsoft.com/office/powerpoint/2010/main">
+        <p14:section name="Default Section" id="{253F367C-C7CE-4699-9606-3C87C158213E}">
+          <p14:sldIdLst>
+            <p14:sldId id="256"/>
+            <p14:sldId id="257"/>
+            <p14:sldId id="261"/>
+            <p14:sldId id="265"/>
+            <p14:sldId id="294"/>
+            <p14:sldId id="272"/>
+            <p14:sldId id="285"/>
+            <p14:sldId id="295"/>
+            <p14:sldId id="298"/>
+            <p14:sldId id="296"/>
+            <p14:sldId id="299"/>
+            <p14:sldId id="279"/>
+            <p14:sldId id="282"/>
+            <p14:sldId id="283"/>
+            <p14:sldId id="292"/>
+            <p14:sldId id="293"/>
+            <p14:sldId id="297"/>
+            <p14:sldId id="258"/>
+            <p14:sldId id="259"/>
+            <p14:sldId id="260"/>
+            <p14:sldId id="281"/>
+          </p14:sldIdLst>
+        </p14:section>
+      </p14:sectionLst>
+    </p:ext>
+    <p:ext uri="{EFAFB233-063F-42B5-8137-9DF3F51BA10A}">
+      <p15:sldGuideLst xmlns:p15="http://schemas.microsoft.com/office/powerpoint/2012/main"/>
+    </p:ext>
+  </p:extLst>
 </p:presentation>
 </file>
 
@@ -197,7 +246,7 @@
           <a:p>
             <a:fld id="{DFD0F596-D98E-4B87-A421-8EC16E391C5F}" type="datetimeFigureOut">
               <a:rPr lang="en-US" smtClean="0"/>
-              <a:t>1/30/2020</a:t>
+              <a:t>2/3/2020</a:t>
             </a:fld>
             <a:endParaRPr lang="en-US"/>
           </a:p>
@@ -611,7 +660,7 @@
           <a:p>
             <a:fld id="{64401F6F-B01B-4CAC-88BC-7704A83FC74A}" type="datetimeFigureOut">
               <a:rPr lang="en-US" smtClean="0"/>
-              <a:t>1/30/2020</a:t>
+              <a:t>2/3/2020</a:t>
             </a:fld>
             <a:endParaRPr lang="en-US"/>
           </a:p>
@@ -809,7 +858,7 @@
           <a:p>
             <a:fld id="{64401F6F-B01B-4CAC-88BC-7704A83FC74A}" type="datetimeFigureOut">
               <a:rPr lang="en-US" smtClean="0"/>
-              <a:t>1/30/2020</a:t>
+              <a:t>2/3/2020</a:t>
             </a:fld>
             <a:endParaRPr lang="en-US"/>
           </a:p>
@@ -1017,7 +1066,7 @@
           <a:p>
             <a:fld id="{64401F6F-B01B-4CAC-88BC-7704A83FC74A}" type="datetimeFigureOut">
               <a:rPr lang="en-US" smtClean="0"/>
-              <a:t>1/30/2020</a:t>
+              <a:t>2/3/2020</a:t>
             </a:fld>
             <a:endParaRPr lang="en-US"/>
           </a:p>
@@ -1215,7 +1264,7 @@
           <a:p>
             <a:fld id="{64401F6F-B01B-4CAC-88BC-7704A83FC74A}" type="datetimeFigureOut">
               <a:rPr lang="en-US" smtClean="0"/>
-              <a:t>1/30/2020</a:t>
+              <a:t>2/3/2020</a:t>
             </a:fld>
             <a:endParaRPr lang="en-US"/>
           </a:p>
@@ -1490,7 +1539,7 @@
           <a:p>
             <a:fld id="{64401F6F-B01B-4CAC-88BC-7704A83FC74A}" type="datetimeFigureOut">
               <a:rPr lang="en-US" smtClean="0"/>
-              <a:t>1/30/2020</a:t>
+              <a:t>2/3/2020</a:t>
             </a:fld>
             <a:endParaRPr lang="en-US"/>
           </a:p>
@@ -1755,7 +1804,7 @@
           <a:p>
             <a:fld id="{64401F6F-B01B-4CAC-88BC-7704A83FC74A}" type="datetimeFigureOut">
               <a:rPr lang="en-US" smtClean="0"/>
-              <a:t>1/30/2020</a:t>
+              <a:t>2/3/2020</a:t>
             </a:fld>
             <a:endParaRPr lang="en-US"/>
           </a:p>
@@ -2167,7 +2216,7 @@
           <a:p>
             <a:fld id="{64401F6F-B01B-4CAC-88BC-7704A83FC74A}" type="datetimeFigureOut">
               <a:rPr lang="en-US" smtClean="0"/>
-              <a:t>1/30/2020</a:t>
+              <a:t>2/3/2020</a:t>
             </a:fld>
             <a:endParaRPr lang="en-US"/>
           </a:p>
@@ -2308,7 +2357,7 @@
           <a:p>
             <a:fld id="{64401F6F-B01B-4CAC-88BC-7704A83FC74A}" type="datetimeFigureOut">
               <a:rPr lang="en-US" smtClean="0"/>
-              <a:t>1/30/2020</a:t>
+              <a:t>2/3/2020</a:t>
             </a:fld>
             <a:endParaRPr lang="en-US"/>
           </a:p>
@@ -2421,7 +2470,7 @@
           <a:p>
             <a:fld id="{64401F6F-B01B-4CAC-88BC-7704A83FC74A}" type="datetimeFigureOut">
               <a:rPr lang="en-US" smtClean="0"/>
-              <a:t>1/30/2020</a:t>
+              <a:t>2/3/2020</a:t>
             </a:fld>
             <a:endParaRPr lang="en-US"/>
           </a:p>
@@ -2732,7 +2781,7 @@
           <a:p>
             <a:fld id="{64401F6F-B01B-4CAC-88BC-7704A83FC74A}" type="datetimeFigureOut">
               <a:rPr lang="en-US" smtClean="0"/>
-              <a:t>1/30/2020</a:t>
+              <a:t>2/3/2020</a:t>
             </a:fld>
             <a:endParaRPr lang="en-US"/>
           </a:p>
@@ -3020,7 +3069,7 @@
           <a:p>
             <a:fld id="{64401F6F-B01B-4CAC-88BC-7704A83FC74A}" type="datetimeFigureOut">
               <a:rPr lang="en-US" smtClean="0"/>
-              <a:t>1/30/2020</a:t>
+              <a:t>2/3/2020</a:t>
             </a:fld>
             <a:endParaRPr lang="en-US"/>
           </a:p>
@@ -3261,7 +3310,7 @@
           <a:p>
             <a:fld id="{64401F6F-B01B-4CAC-88BC-7704A83FC74A}" type="datetimeFigureOut">
               <a:rPr lang="en-US" smtClean="0"/>
-              <a:t>1/30/2020</a:t>
+              <a:t>2/3/2020</a:t>
             </a:fld>
             <a:endParaRPr lang="en-US"/>
           </a:p>
@@ -3804,7 +3853,7 @@
 </p:sld>
 </file>
 
-<file path=ppt/slides/slide2.xml><?xml version="1.0" encoding="utf-8"?>
+<file path=ppt/slides/slide10.xml><?xml version="1.0" encoding="utf-8"?>
 <p:sld xmlns:a="http://schemas.openxmlformats.org/drawingml/2006/main" xmlns:r="http://schemas.openxmlformats.org/officeDocument/2006/relationships" xmlns:p="http://schemas.openxmlformats.org/presentationml/2006/main">
   <p:cSld>
     <p:spTree>
@@ -3823,13 +3872,7 @@
       </p:grpSpPr>
       <p:sp>
         <p:nvSpPr>
-          <p:cNvPr id="2" name="Title 1">
-            <a:extLst>
-              <a:ext uri="{FF2B5EF4-FFF2-40B4-BE49-F238E27FC236}">
-                <a16:creationId xmlns:a16="http://schemas.microsoft.com/office/drawing/2014/main" id="{CA17EDE9-8CE1-4784-879F-B439C8409726}"/>
-              </a:ext>
-            </a:extLst>
-          </p:cNvPr>
+          <p:cNvPr id="4" name="Title 3"/>
           <p:cNvSpPr>
             <a:spLocks noGrp="1"/>
           </p:cNvSpPr>
@@ -3839,80 +3882,79 @@
         </p:nvSpPr>
         <p:spPr/>
         <p:txBody>
-          <a:bodyPr/>
+          <a:bodyPr>
+            <a:normAutofit/>
+          </a:bodyPr>
           <a:lstStyle/>
           <a:p>
             <a:r>
               <a:rPr lang="en-US" dirty="0"/>
-              <a:t>Genetics (G) x Environment (E) x Management (M)</a:t>
-            </a:r>
-          </a:p>
-        </p:txBody>
-      </p:sp>
-      <p:sp>
-        <p:nvSpPr>
-          <p:cNvPr id="3" name="Content Placeholder 2">
-            <a:extLst>
-              <a:ext uri="{FF2B5EF4-FFF2-40B4-BE49-F238E27FC236}">
-                <a16:creationId xmlns:a16="http://schemas.microsoft.com/office/drawing/2014/main" id="{DD74AD66-818A-4A38-BF04-23EE30995394}"/>
-              </a:ext>
-            </a:extLst>
-          </p:cNvPr>
-          <p:cNvSpPr>
-            <a:spLocks noGrp="1"/>
-          </p:cNvSpPr>
-          <p:nvPr>
-            <p:ph idx="1"/>
-          </p:nvPr>
-        </p:nvSpPr>
-        <p:spPr/>
-        <p:txBody>
-          <a:bodyPr/>
-          <a:lstStyle/>
-          <a:p>
-            <a:r>
-              <a:rPr lang="en-US" dirty="0"/>
-              <a:t>Dr Jerry Hatfield’s et al review paper (Agronomy Journal 2015) introduces M into the G x E equation to increase actual yield vs just yield potential.</a:t>
-            </a:r>
-          </a:p>
-          <a:p>
-            <a:r>
-              <a:rPr lang="en-US" dirty="0"/>
-              <a:t>Knowledge of the Environment and Genetics can inform Management decisions.</a:t>
-            </a:r>
-          </a:p>
-          <a:p>
-            <a:r>
-              <a:rPr lang="en-US" dirty="0"/>
-              <a:t>Environmental variables relevant to G x E x M, our topics for today</a:t>
-            </a:r>
-          </a:p>
-          <a:p>
-            <a:pPr lvl="1"/>
-            <a:r>
-              <a:rPr lang="en-US" dirty="0"/>
+              <a:t>Data Variables to Discuss</a:t>
+            </a:r>
+          </a:p>
+        </p:txBody>
+      </p:sp>
+      <p:sp>
+        <p:nvSpPr>
+          <p:cNvPr id="5" name="TextBox 4"/>
+          <p:cNvSpPr txBox="1"/>
+          <p:nvPr/>
+        </p:nvSpPr>
+        <p:spPr>
+          <a:xfrm>
+            <a:off x="838200" y="2133600"/>
+            <a:ext cx="9514286" cy="2308324"/>
+          </a:xfrm>
+          <a:prstGeom prst="rect">
+            <a:avLst/>
+          </a:prstGeom>
+          <a:noFill/>
+        </p:spPr>
+        <p:txBody>
+          <a:bodyPr wrap="square" rtlCol="0">
+            <a:spAutoFit/>
+          </a:bodyPr>
+          <a:lstStyle/>
+          <a:p>
+            <a:r>
+              <a:rPr lang="en-US" sz="3600" dirty="0">
+                <a:solidFill>
+                  <a:schemeClr val="bg2">
+                    <a:lumMod val="75000"/>
+                  </a:schemeClr>
+                </a:solidFill>
+              </a:rPr>
               <a:t>Air Temperature, Humidity, and Wind</a:t>
             </a:r>
           </a:p>
           <a:p>
-            <a:pPr lvl="1"/>
-            <a:r>
-              <a:rPr lang="en-US" dirty="0"/>
+            <a:r>
+              <a:rPr lang="en-US" sz="3600" b="1" dirty="0"/>
+              <a:t>Precipitation</a:t>
+            </a:r>
+          </a:p>
+          <a:p>
+            <a:r>
+              <a:rPr lang="en-US" sz="3600" dirty="0">
+                <a:solidFill>
+                  <a:schemeClr val="bg2">
+                    <a:lumMod val="75000"/>
+                  </a:schemeClr>
+                </a:solidFill>
+              </a:rPr>
+              <a:t>Soil Moisture/Temperature</a:t>
+            </a:r>
+          </a:p>
+          <a:p>
+            <a:r>
+              <a:rPr lang="en-US" sz="3600" dirty="0">
+                <a:solidFill>
+                  <a:schemeClr val="bg2">
+                    <a:lumMod val="75000"/>
+                  </a:schemeClr>
+                </a:solidFill>
+              </a:rPr>
               <a:t>Solar Radiation</a:t>
-            </a:r>
-          </a:p>
-          <a:p>
-            <a:pPr lvl="1"/>
-            <a:r>
-              <a:rPr lang="en-US" dirty="0"/>
-              <a:t>Precipitation</a:t>
-            </a:r>
-          </a:p>
-          <a:p>
-            <a:pPr lvl="1"/>
-            <a:r>
-              <a:rPr lang="en-US" dirty="0"/>
-              <a:t>Soil Moisture and Temperature</a:t>
             </a:r>
           </a:p>
         </p:txBody>
@@ -3920,7 +3962,7 @@
     </p:spTree>
     <p:extLst>
       <p:ext uri="{BB962C8B-B14F-4D97-AF65-F5344CB8AC3E}">
-        <p14:creationId xmlns:p14="http://schemas.microsoft.com/office/powerpoint/2010/main" val="2874382434"/>
+        <p14:creationId xmlns:p14="http://schemas.microsoft.com/office/powerpoint/2010/main" val="1240763213"/>
       </p:ext>
     </p:extLst>
   </p:cSld>
@@ -3930,7 +3972,7 @@
 </p:sld>
 </file>
 
-<file path=ppt/slides/slide3.xml><?xml version="1.0" encoding="utf-8"?>
+<file path=ppt/slides/slide11.xml><?xml version="1.0" encoding="utf-8"?>
 <p:sld xmlns:a="http://schemas.openxmlformats.org/drawingml/2006/main" xmlns:r="http://schemas.openxmlformats.org/officeDocument/2006/relationships" xmlns:p="http://schemas.openxmlformats.org/presentationml/2006/main">
   <p:cSld>
     <p:spTree>
@@ -3949,13 +3991,7 @@
       </p:grpSpPr>
       <p:sp>
         <p:nvSpPr>
-          <p:cNvPr id="2" name="Title 1">
-            <a:extLst>
-              <a:ext uri="{FF2B5EF4-FFF2-40B4-BE49-F238E27FC236}">
-                <a16:creationId xmlns:a16="http://schemas.microsoft.com/office/drawing/2014/main" id="{72EA2E23-AE2B-438C-9327-AD5E18EAD3F1}"/>
-              </a:ext>
-            </a:extLst>
-          </p:cNvPr>
+          <p:cNvPr id="4" name="Title 3"/>
           <p:cNvSpPr>
             <a:spLocks noGrp="1"/>
           </p:cNvSpPr>
@@ -3963,71 +3999,930 @@
             <p:ph type="title"/>
           </p:nvPr>
         </p:nvSpPr>
+        <p:spPr/>
+        <p:txBody>
+          <a:bodyPr>
+            <a:normAutofit fontScale="90000"/>
+          </a:bodyPr>
+          <a:lstStyle/>
+          <a:p>
+            <a:r>
+              <a:rPr lang="en-US" dirty="0"/>
+              <a:t>The answer to:</a:t>
+            </a:r>
+            <a:br>
+              <a:rPr lang="en-US" dirty="0"/>
+            </a:br>
+            <a:r>
+              <a:rPr lang="en-US" sz="3100" dirty="0">
+                <a:hlinkClick r:id="rId2"/>
+              </a:rPr>
+              <a:t>“How much did it rain in Ames on 25 June 2010?”</a:t>
+            </a:r>
+            <a:br>
+              <a:rPr lang="en-US" dirty="0"/>
+            </a:br>
+            <a:endParaRPr lang="en-US" dirty="0"/>
+          </a:p>
+        </p:txBody>
+      </p:sp>
+      <p:graphicFrame>
+        <p:nvGraphicFramePr>
+          <p:cNvPr id="8" name="Table 7"/>
+          <p:cNvGraphicFramePr>
+            <a:graphicFrameLocks noGrp="1"/>
+          </p:cNvGraphicFramePr>
+          <p:nvPr/>
+        </p:nvGraphicFramePr>
+        <p:xfrm>
+          <a:off x="1752600" y="1234441"/>
+          <a:ext cx="8915400" cy="3794760"/>
+        </p:xfrm>
+        <a:graphic>
+          <a:graphicData uri="http://schemas.openxmlformats.org/drawingml/2006/table">
+            <a:tbl>
+              <a:tblPr bandRow="1">
+                <a:tableStyleId>{5940675A-B579-460E-94D1-54222C63F5DA}</a:tableStyleId>
+              </a:tblPr>
+              <a:tblGrid>
+                <a:gridCol w="1447800">
+                  <a:extLst>
+                    <a:ext uri="{9D8B030D-6E8A-4147-A177-3AD203B41FA5}">
+                      <a16:colId xmlns:a16="http://schemas.microsoft.com/office/drawing/2014/main" val="20000"/>
+                    </a:ext>
+                  </a:extLst>
+                </a:gridCol>
+                <a:gridCol w="781050">
+                  <a:extLst>
+                    <a:ext uri="{9D8B030D-6E8A-4147-A177-3AD203B41FA5}">
+                      <a16:colId xmlns:a16="http://schemas.microsoft.com/office/drawing/2014/main" val="20001"/>
+                    </a:ext>
+                  </a:extLst>
+                </a:gridCol>
+                <a:gridCol w="1504950">
+                  <a:extLst>
+                    <a:ext uri="{9D8B030D-6E8A-4147-A177-3AD203B41FA5}">
+                      <a16:colId xmlns:a16="http://schemas.microsoft.com/office/drawing/2014/main" val="20002"/>
+                    </a:ext>
+                  </a:extLst>
+                </a:gridCol>
+                <a:gridCol w="723900">
+                  <a:extLst>
+                    <a:ext uri="{9D8B030D-6E8A-4147-A177-3AD203B41FA5}">
+                      <a16:colId xmlns:a16="http://schemas.microsoft.com/office/drawing/2014/main" val="20003"/>
+                    </a:ext>
+                  </a:extLst>
+                </a:gridCol>
+                <a:gridCol w="1409700">
+                  <a:extLst>
+                    <a:ext uri="{9D8B030D-6E8A-4147-A177-3AD203B41FA5}">
+                      <a16:colId xmlns:a16="http://schemas.microsoft.com/office/drawing/2014/main" val="20004"/>
+                    </a:ext>
+                  </a:extLst>
+                </a:gridCol>
+                <a:gridCol w="914400">
+                  <a:extLst>
+                    <a:ext uri="{9D8B030D-6E8A-4147-A177-3AD203B41FA5}">
+                      <a16:colId xmlns:a16="http://schemas.microsoft.com/office/drawing/2014/main" val="20005"/>
+                    </a:ext>
+                  </a:extLst>
+                </a:gridCol>
+                <a:gridCol w="1219200">
+                  <a:extLst>
+                    <a:ext uri="{9D8B030D-6E8A-4147-A177-3AD203B41FA5}">
+                      <a16:colId xmlns:a16="http://schemas.microsoft.com/office/drawing/2014/main" val="20006"/>
+                    </a:ext>
+                  </a:extLst>
+                </a:gridCol>
+                <a:gridCol w="914400">
+                  <a:extLst>
+                    <a:ext uri="{9D8B030D-6E8A-4147-A177-3AD203B41FA5}">
+                      <a16:colId xmlns:a16="http://schemas.microsoft.com/office/drawing/2014/main" val="20007"/>
+                    </a:ext>
+                  </a:extLst>
+                </a:gridCol>
+              </a:tblGrid>
+              <a:tr h="758952">
+                <a:tc>
+                  <a:txBody>
+                    <a:bodyPr/>
+                    <a:lstStyle/>
+                    <a:p>
+                      <a:r>
+                        <a:rPr lang="en-US" sz="1800" b="1" dirty="0">
+                          <a:solidFill>
+                            <a:schemeClr val="tx1"/>
+                          </a:solidFill>
+                        </a:rPr>
+                        <a:t>IEM</a:t>
+                      </a:r>
+                      <a:r>
+                        <a:rPr lang="en-US" sz="1800" b="1" baseline="0" dirty="0">
+                          <a:solidFill>
+                            <a:schemeClr val="tx1"/>
+                          </a:solidFill>
+                        </a:rPr>
+                        <a:t> QC COOP</a:t>
+                      </a:r>
+                      <a:endParaRPr lang="en-US" sz="1800" b="1" dirty="0">
+                        <a:solidFill>
+                          <a:schemeClr val="tx1"/>
+                        </a:solidFill>
+                      </a:endParaRPr>
+                    </a:p>
+                  </a:txBody>
+                  <a:tcPr marT="60960" marB="60960"/>
+                </a:tc>
+                <a:tc>
+                  <a:txBody>
+                    <a:bodyPr/>
+                    <a:lstStyle/>
+                    <a:p>
+                      <a:r>
+                        <a:rPr lang="en-US" sz="1800" b="1" dirty="0">
+                          <a:solidFill>
+                            <a:schemeClr val="tx1"/>
+                          </a:solidFill>
+                        </a:rPr>
+                        <a:t>0.00</a:t>
+                      </a:r>
+                    </a:p>
+                  </a:txBody>
+                  <a:tcPr marT="60960" marB="60960"/>
+                </a:tc>
+                <a:tc>
+                  <a:txBody>
+                    <a:bodyPr/>
+                    <a:lstStyle/>
+                    <a:p>
+                      <a:r>
+                        <a:rPr lang="en-US" sz="1800" b="1" dirty="0" err="1">
+                          <a:solidFill>
+                            <a:schemeClr val="tx1"/>
+                          </a:solidFill>
+                        </a:rPr>
+                        <a:t>SchoolNet</a:t>
+                      </a:r>
+                      <a:endParaRPr lang="en-US" sz="1800" b="1" dirty="0">
+                        <a:solidFill>
+                          <a:schemeClr val="tx1"/>
+                        </a:solidFill>
+                      </a:endParaRPr>
+                    </a:p>
+                  </a:txBody>
+                  <a:tcPr marT="60960" marB="60960"/>
+                </a:tc>
+                <a:tc>
+                  <a:txBody>
+                    <a:bodyPr/>
+                    <a:lstStyle/>
+                    <a:p>
+                      <a:r>
+                        <a:rPr lang="en-US" sz="1800" b="1" dirty="0">
+                          <a:solidFill>
+                            <a:schemeClr val="tx1"/>
+                          </a:solidFill>
+                        </a:rPr>
+                        <a:t>0.57</a:t>
+                      </a:r>
+                    </a:p>
+                  </a:txBody>
+                  <a:tcPr marT="60960" marB="60960"/>
+                </a:tc>
+                <a:tc>
+                  <a:txBody>
+                    <a:bodyPr/>
+                    <a:lstStyle/>
+                    <a:p>
+                      <a:r>
+                        <a:rPr lang="en-US" sz="1800" b="1" dirty="0" err="1">
+                          <a:solidFill>
+                            <a:schemeClr val="tx1"/>
+                          </a:solidFill>
+                        </a:rPr>
+                        <a:t>CoCoRaHS</a:t>
+                      </a:r>
+                      <a:endParaRPr lang="en-US" sz="1800" b="1" dirty="0">
+                        <a:solidFill>
+                          <a:schemeClr val="tx1"/>
+                        </a:solidFill>
+                      </a:endParaRPr>
+                    </a:p>
+                  </a:txBody>
+                  <a:tcPr marT="60960" marB="60960"/>
+                </a:tc>
+                <a:tc>
+                  <a:txBody>
+                    <a:bodyPr/>
+                    <a:lstStyle/>
+                    <a:p>
+                      <a:r>
+                        <a:rPr lang="en-US" sz="1800" b="1" dirty="0">
+                          <a:solidFill>
+                            <a:schemeClr val="tx1"/>
+                          </a:solidFill>
+                        </a:rPr>
+                        <a:t>???</a:t>
+                      </a:r>
+                    </a:p>
+                  </a:txBody>
+                  <a:tcPr marT="60960" marB="60960"/>
+                </a:tc>
+                <a:tc>
+                  <a:txBody>
+                    <a:bodyPr/>
+                    <a:lstStyle/>
+                    <a:p>
+                      <a:r>
+                        <a:rPr lang="en-US" sz="1800" b="1" dirty="0">
+                          <a:solidFill>
+                            <a:schemeClr val="tx1"/>
+                          </a:solidFill>
+                        </a:rPr>
+                        <a:t>Stage IV</a:t>
+                      </a:r>
+                    </a:p>
+                  </a:txBody>
+                  <a:tcPr marT="60960" marB="60960"/>
+                </a:tc>
+                <a:tc>
+                  <a:txBody>
+                    <a:bodyPr/>
+                    <a:lstStyle/>
+                    <a:p>
+                      <a:r>
+                        <a:rPr lang="en-US" sz="1800" b="1" dirty="0">
+                          <a:solidFill>
+                            <a:schemeClr val="tx1"/>
+                          </a:solidFill>
+                        </a:rPr>
+                        <a:t>0.22</a:t>
+                      </a:r>
+                    </a:p>
+                  </a:txBody>
+                  <a:tcPr marT="60960" marB="60960"/>
+                </a:tc>
+                <a:extLst>
+                  <a:ext uri="{0D108BD9-81ED-4DB2-BD59-A6C34878D82A}">
+                    <a16:rowId xmlns:a16="http://schemas.microsoft.com/office/drawing/2014/main" val="10000"/>
+                  </a:ext>
+                </a:extLst>
+              </a:tr>
+              <a:tr h="758952">
+                <a:tc>
+                  <a:txBody>
+                    <a:bodyPr/>
+                    <a:lstStyle/>
+                    <a:p>
+                      <a:r>
+                        <a:rPr lang="en-US" sz="1800" b="1" dirty="0">
+                          <a:solidFill>
+                            <a:schemeClr val="tx1"/>
+                          </a:solidFill>
+                        </a:rPr>
+                        <a:t>ASOS</a:t>
+                      </a:r>
+                    </a:p>
+                  </a:txBody>
+                  <a:tcPr marT="60960" marB="60960"/>
+                </a:tc>
+                <a:tc>
+                  <a:txBody>
+                    <a:bodyPr/>
+                    <a:lstStyle/>
+                    <a:p>
+                      <a:r>
+                        <a:rPr lang="en-US" sz="1800" b="1" dirty="0">
+                          <a:solidFill>
+                            <a:schemeClr val="tx1"/>
+                          </a:solidFill>
+                        </a:rPr>
+                        <a:t>0.13</a:t>
+                      </a:r>
+                    </a:p>
+                  </a:txBody>
+                  <a:tcPr marT="60960" marB="60960"/>
+                </a:tc>
+                <a:tc>
+                  <a:txBody>
+                    <a:bodyPr/>
+                    <a:lstStyle/>
+                    <a:p>
+                      <a:r>
+                        <a:rPr lang="en-US" sz="1800" b="1" dirty="0">
+                          <a:solidFill>
+                            <a:schemeClr val="tx1"/>
+                          </a:solidFill>
+                        </a:rPr>
+                        <a:t>RWIS</a:t>
+                      </a:r>
+                    </a:p>
+                  </a:txBody>
+                  <a:tcPr marT="60960" marB="60960"/>
+                </a:tc>
+                <a:tc>
+                  <a:txBody>
+                    <a:bodyPr/>
+                    <a:lstStyle/>
+                    <a:p>
+                      <a:r>
+                        <a:rPr lang="en-US" sz="1800" b="1" dirty="0">
+                          <a:solidFill>
+                            <a:schemeClr val="tx1"/>
+                          </a:solidFill>
+                        </a:rPr>
+                        <a:t>0 ?</a:t>
+                      </a:r>
+                    </a:p>
+                  </a:txBody>
+                  <a:tcPr marT="60960" marB="60960"/>
+                </a:tc>
+                <a:tc>
+                  <a:txBody>
+                    <a:bodyPr/>
+                    <a:lstStyle/>
+                    <a:p>
+                      <a:r>
+                        <a:rPr lang="en-US" sz="1800" b="1" dirty="0">
+                          <a:solidFill>
+                            <a:schemeClr val="tx1"/>
+                          </a:solidFill>
+                        </a:rPr>
+                        <a:t>ISUAG</a:t>
+                      </a:r>
+                      <a:r>
+                        <a:rPr lang="en-US" sz="1800" b="1" baseline="0" dirty="0">
+                          <a:solidFill>
+                            <a:schemeClr val="tx1"/>
+                          </a:solidFill>
+                        </a:rPr>
+                        <a:t> </a:t>
+                      </a:r>
+                      <a:r>
+                        <a:rPr lang="en-US" sz="1800" b="1" baseline="0" dirty="0" err="1">
+                          <a:solidFill>
+                            <a:schemeClr val="tx1"/>
+                          </a:solidFill>
+                        </a:rPr>
+                        <a:t>AgFm</a:t>
+                      </a:r>
+                      <a:endParaRPr lang="en-US" sz="1800" b="1" dirty="0">
+                        <a:solidFill>
+                          <a:schemeClr val="tx1"/>
+                        </a:solidFill>
+                      </a:endParaRPr>
+                    </a:p>
+                  </a:txBody>
+                  <a:tcPr marT="60960" marB="60960"/>
+                </a:tc>
+                <a:tc>
+                  <a:txBody>
+                    <a:bodyPr/>
+                    <a:lstStyle/>
+                    <a:p>
+                      <a:r>
+                        <a:rPr lang="en-US" sz="1800" b="1" dirty="0">
+                          <a:solidFill>
+                            <a:schemeClr val="tx1"/>
+                          </a:solidFill>
+                        </a:rPr>
+                        <a:t>0.25</a:t>
+                      </a:r>
+                    </a:p>
+                  </a:txBody>
+                  <a:tcPr marT="60960" marB="60960"/>
+                </a:tc>
+                <a:tc>
+                  <a:txBody>
+                    <a:bodyPr/>
+                    <a:lstStyle/>
+                    <a:p>
+                      <a:r>
+                        <a:rPr lang="en-US" sz="1800" b="1" dirty="0">
+                          <a:solidFill>
+                            <a:schemeClr val="tx1"/>
+                          </a:solidFill>
+                        </a:rPr>
+                        <a:t>NARR</a:t>
+                      </a:r>
+                    </a:p>
+                  </a:txBody>
+                  <a:tcPr marT="60960" marB="60960"/>
+                </a:tc>
+                <a:tc>
+                  <a:txBody>
+                    <a:bodyPr/>
+                    <a:lstStyle/>
+                    <a:p>
+                      <a:r>
+                        <a:rPr lang="en-US" sz="1800" b="1" dirty="0">
+                          <a:solidFill>
+                            <a:schemeClr val="tx1"/>
+                          </a:solidFill>
+                        </a:rPr>
+                        <a:t>0.19</a:t>
+                      </a:r>
+                    </a:p>
+                  </a:txBody>
+                  <a:tcPr marT="60960" marB="60960"/>
+                </a:tc>
+                <a:extLst>
+                  <a:ext uri="{0D108BD9-81ED-4DB2-BD59-A6C34878D82A}">
+                    <a16:rowId xmlns:a16="http://schemas.microsoft.com/office/drawing/2014/main" val="10001"/>
+                  </a:ext>
+                </a:extLst>
+              </a:tr>
+              <a:tr h="758952">
+                <a:tc>
+                  <a:txBody>
+                    <a:bodyPr/>
+                    <a:lstStyle/>
+                    <a:p>
+                      <a:r>
+                        <a:rPr lang="en-US" sz="1800" b="1" dirty="0">
+                          <a:solidFill>
+                            <a:schemeClr val="tx1"/>
+                          </a:solidFill>
+                        </a:rPr>
+                        <a:t>ASOS</a:t>
+                      </a:r>
+                      <a:r>
+                        <a:rPr lang="en-US" sz="1800" b="1" baseline="0" dirty="0">
+                          <a:solidFill>
+                            <a:schemeClr val="tx1"/>
+                          </a:solidFill>
+                        </a:rPr>
+                        <a:t> DSM</a:t>
+                      </a:r>
+                      <a:endParaRPr lang="en-US" sz="1800" b="1" dirty="0">
+                        <a:solidFill>
+                          <a:schemeClr val="tx1"/>
+                        </a:solidFill>
+                      </a:endParaRPr>
+                    </a:p>
+                  </a:txBody>
+                  <a:tcPr marT="60960" marB="60960"/>
+                </a:tc>
+                <a:tc>
+                  <a:txBody>
+                    <a:bodyPr/>
+                    <a:lstStyle/>
+                    <a:p>
+                      <a:r>
+                        <a:rPr lang="en-US" sz="1800" b="1" dirty="0">
+                          <a:solidFill>
+                            <a:schemeClr val="tx1"/>
+                          </a:solidFill>
+                        </a:rPr>
+                        <a:t>1.11</a:t>
+                      </a:r>
+                    </a:p>
+                  </a:txBody>
+                  <a:tcPr marT="60960" marB="60960"/>
+                </a:tc>
+                <a:tc>
+                  <a:txBody>
+                    <a:bodyPr/>
+                    <a:lstStyle/>
+                    <a:p>
+                      <a:r>
+                        <a:rPr lang="en-US" sz="1800" b="1" dirty="0">
+                          <a:solidFill>
+                            <a:schemeClr val="tx1"/>
+                          </a:solidFill>
+                        </a:rPr>
+                        <a:t>Lincoln Way</a:t>
+                      </a:r>
+                    </a:p>
+                  </a:txBody>
+                  <a:tcPr marT="60960" marB="60960"/>
+                </a:tc>
+                <a:tc>
+                  <a:txBody>
+                    <a:bodyPr/>
+                    <a:lstStyle/>
+                    <a:p>
+                      <a:r>
+                        <a:rPr lang="en-US" sz="1800" b="1" dirty="0">
+                          <a:solidFill>
+                            <a:schemeClr val="tx1"/>
+                          </a:solidFill>
+                        </a:rPr>
+                        <a:t>0 ?</a:t>
+                      </a:r>
+                    </a:p>
+                  </a:txBody>
+                  <a:tcPr marT="60960" marB="60960"/>
+                </a:tc>
+                <a:tc>
+                  <a:txBody>
+                    <a:bodyPr/>
+                    <a:lstStyle/>
+                    <a:p>
+                      <a:r>
+                        <a:rPr lang="en-US" sz="1800" b="1" dirty="0">
+                          <a:solidFill>
+                            <a:schemeClr val="tx1"/>
+                          </a:solidFill>
+                        </a:rPr>
+                        <a:t>Others</a:t>
+                      </a:r>
+                    </a:p>
+                  </a:txBody>
+                  <a:tcPr marT="60960" marB="60960"/>
+                </a:tc>
+                <a:tc>
+                  <a:txBody>
+                    <a:bodyPr/>
+                    <a:lstStyle/>
+                    <a:p>
+                      <a:r>
+                        <a:rPr lang="en-US" sz="1800" b="1" dirty="0">
+                          <a:solidFill>
+                            <a:schemeClr val="tx1"/>
+                          </a:solidFill>
+                        </a:rPr>
+                        <a:t>0.53</a:t>
+                      </a:r>
+                    </a:p>
+                  </a:txBody>
+                  <a:tcPr marT="60960" marB="60960"/>
+                </a:tc>
+                <a:tc>
+                  <a:txBody>
+                    <a:bodyPr/>
+                    <a:lstStyle/>
+                    <a:p>
+                      <a:r>
+                        <a:rPr lang="en-US" sz="1800" b="1" dirty="0">
+                          <a:solidFill>
+                            <a:schemeClr val="tx1"/>
+                          </a:solidFill>
+                        </a:rPr>
+                        <a:t>TRMM</a:t>
+                      </a:r>
+                    </a:p>
+                  </a:txBody>
+                  <a:tcPr marT="60960" marB="60960"/>
+                </a:tc>
+                <a:tc>
+                  <a:txBody>
+                    <a:bodyPr/>
+                    <a:lstStyle/>
+                    <a:p>
+                      <a:r>
+                        <a:rPr lang="en-US" sz="1800" b="1" dirty="0">
+                          <a:solidFill>
+                            <a:schemeClr val="tx1"/>
+                          </a:solidFill>
+                        </a:rPr>
+                        <a:t>0.51</a:t>
+                      </a:r>
+                    </a:p>
+                  </a:txBody>
+                  <a:tcPr marT="60960" marB="60960"/>
+                </a:tc>
+                <a:extLst>
+                  <a:ext uri="{0D108BD9-81ED-4DB2-BD59-A6C34878D82A}">
+                    <a16:rowId xmlns:a16="http://schemas.microsoft.com/office/drawing/2014/main" val="10002"/>
+                  </a:ext>
+                </a:extLst>
+              </a:tr>
+              <a:tr h="758952">
+                <a:tc>
+                  <a:txBody>
+                    <a:bodyPr/>
+                    <a:lstStyle/>
+                    <a:p>
+                      <a:r>
+                        <a:rPr lang="en-US" sz="1800" b="1" dirty="0">
+                          <a:solidFill>
+                            <a:schemeClr val="tx1"/>
+                          </a:solidFill>
+                        </a:rPr>
+                        <a:t>ASOS</a:t>
+                      </a:r>
+                      <a:r>
+                        <a:rPr lang="en-US" sz="1800" b="1" baseline="0" dirty="0">
+                          <a:solidFill>
+                            <a:schemeClr val="tx1"/>
+                          </a:solidFill>
+                        </a:rPr>
+                        <a:t> DSM </a:t>
+                      </a:r>
+                      <a:r>
+                        <a:rPr lang="en-US" sz="1800" b="1" baseline="0" dirty="0" err="1">
+                          <a:solidFill>
+                            <a:schemeClr val="tx1"/>
+                          </a:solidFill>
+                        </a:rPr>
+                        <a:t>Hr</a:t>
+                      </a:r>
+                      <a:endParaRPr lang="en-US" sz="1800" b="1" dirty="0">
+                        <a:solidFill>
+                          <a:schemeClr val="tx1"/>
+                        </a:solidFill>
+                      </a:endParaRPr>
+                    </a:p>
+                  </a:txBody>
+                  <a:tcPr marT="60960" marB="60960"/>
+                </a:tc>
+                <a:tc>
+                  <a:txBody>
+                    <a:bodyPr/>
+                    <a:lstStyle/>
+                    <a:p>
+                      <a:r>
+                        <a:rPr lang="en-US" sz="1800" b="1" dirty="0">
+                          <a:solidFill>
+                            <a:schemeClr val="tx1"/>
+                          </a:solidFill>
+                        </a:rPr>
+                        <a:t>0.33</a:t>
+                      </a:r>
+                    </a:p>
+                  </a:txBody>
+                  <a:tcPr marT="60960" marB="60960"/>
+                </a:tc>
+                <a:tc>
+                  <a:txBody>
+                    <a:bodyPr/>
+                    <a:lstStyle/>
+                    <a:p>
+                      <a:r>
+                        <a:rPr lang="en-US" sz="1800" b="1" dirty="0">
+                          <a:solidFill>
+                            <a:schemeClr val="tx1"/>
+                          </a:solidFill>
+                        </a:rPr>
+                        <a:t>Ada Hayden</a:t>
+                      </a:r>
+                    </a:p>
+                  </a:txBody>
+                  <a:tcPr marT="60960" marB="60960"/>
+                </a:tc>
+                <a:tc>
+                  <a:txBody>
+                    <a:bodyPr/>
+                    <a:lstStyle/>
+                    <a:p>
+                      <a:r>
+                        <a:rPr lang="en-US" sz="1800" b="1" dirty="0">
+                          <a:solidFill>
+                            <a:schemeClr val="tx1"/>
+                          </a:solidFill>
+                        </a:rPr>
+                        <a:t>0.93</a:t>
+                      </a:r>
+                    </a:p>
+                  </a:txBody>
+                  <a:tcPr marT="60960" marB="60960"/>
+                </a:tc>
+                <a:tc>
+                  <a:txBody>
+                    <a:bodyPr/>
+                    <a:lstStyle/>
+                    <a:p>
+                      <a:r>
+                        <a:rPr lang="en-US" sz="1800" b="1" dirty="0">
+                          <a:solidFill>
+                            <a:schemeClr val="tx1"/>
+                          </a:solidFill>
+                        </a:rPr>
+                        <a:t>DMX</a:t>
+                      </a:r>
+                      <a:r>
+                        <a:rPr lang="en-US" sz="1800" b="1" baseline="0" dirty="0">
+                          <a:solidFill>
+                            <a:schemeClr val="tx1"/>
+                          </a:solidFill>
+                        </a:rPr>
+                        <a:t> 1hr</a:t>
+                      </a:r>
+                      <a:endParaRPr lang="en-US" sz="1800" b="1" dirty="0">
+                        <a:solidFill>
+                          <a:schemeClr val="tx1"/>
+                        </a:solidFill>
+                      </a:endParaRPr>
+                    </a:p>
+                  </a:txBody>
+                  <a:tcPr marT="60960" marB="60960"/>
+                </a:tc>
+                <a:tc>
+                  <a:txBody>
+                    <a:bodyPr/>
+                    <a:lstStyle/>
+                    <a:p>
+                      <a:r>
+                        <a:rPr lang="en-US" sz="1800" b="1" dirty="0">
+                          <a:solidFill>
+                            <a:schemeClr val="tx1"/>
+                          </a:solidFill>
+                        </a:rPr>
+                        <a:t>0.30</a:t>
+                      </a:r>
+                    </a:p>
+                  </a:txBody>
+                  <a:tcPr marT="60960" marB="60960"/>
+                </a:tc>
+                <a:tc>
+                  <a:txBody>
+                    <a:bodyPr/>
+                    <a:lstStyle/>
+                    <a:p>
+                      <a:endParaRPr lang="en-US" sz="1800" b="1">
+                        <a:solidFill>
+                          <a:schemeClr val="tx1"/>
+                        </a:solidFill>
+                      </a:endParaRPr>
+                    </a:p>
+                  </a:txBody>
+                  <a:tcPr marT="54864" marB="54864"/>
+                </a:tc>
+                <a:tc>
+                  <a:txBody>
+                    <a:bodyPr/>
+                    <a:lstStyle/>
+                    <a:p>
+                      <a:endParaRPr lang="en-US" sz="1800" b="1">
+                        <a:solidFill>
+                          <a:schemeClr val="tx1"/>
+                        </a:solidFill>
+                      </a:endParaRPr>
+                    </a:p>
+                  </a:txBody>
+                  <a:tcPr marT="54864" marB="54864"/>
+                </a:tc>
+                <a:extLst>
+                  <a:ext uri="{0D108BD9-81ED-4DB2-BD59-A6C34878D82A}">
+                    <a16:rowId xmlns:a16="http://schemas.microsoft.com/office/drawing/2014/main" val="10003"/>
+                  </a:ext>
+                </a:extLst>
+              </a:tr>
+              <a:tr h="758952">
+                <a:tc>
+                  <a:txBody>
+                    <a:bodyPr/>
+                    <a:lstStyle/>
+                    <a:p>
+                      <a:r>
+                        <a:rPr lang="en-US" sz="1800" b="1" dirty="0">
+                          <a:solidFill>
+                            <a:schemeClr val="tx1"/>
+                          </a:solidFill>
+                        </a:rPr>
+                        <a:t>ASOS 1min</a:t>
+                      </a:r>
+                    </a:p>
+                  </a:txBody>
+                  <a:tcPr marT="60960" marB="60960"/>
+                </a:tc>
+                <a:tc>
+                  <a:txBody>
+                    <a:bodyPr/>
+                    <a:lstStyle/>
+                    <a:p>
+                      <a:r>
+                        <a:rPr lang="en-US" sz="1800" b="1" dirty="0">
+                          <a:solidFill>
+                            <a:schemeClr val="tx1"/>
+                          </a:solidFill>
+                        </a:rPr>
+                        <a:t>0.36</a:t>
+                      </a:r>
+                    </a:p>
+                  </a:txBody>
+                  <a:tcPr marT="60960" marB="60960"/>
+                </a:tc>
+                <a:tc>
+                  <a:txBody>
+                    <a:bodyPr/>
+                    <a:lstStyle/>
+                    <a:p>
+                      <a:r>
+                        <a:rPr lang="en-US" sz="1800" b="1" dirty="0">
+                          <a:solidFill>
+                            <a:schemeClr val="tx1"/>
+                          </a:solidFill>
+                        </a:rPr>
+                        <a:t>H2O </a:t>
+                      </a:r>
+                      <a:r>
+                        <a:rPr lang="en-US" sz="1800" b="1" dirty="0" err="1">
+                          <a:solidFill>
+                            <a:schemeClr val="tx1"/>
+                          </a:solidFill>
+                        </a:rPr>
+                        <a:t>Trtment</a:t>
+                      </a:r>
+                      <a:endParaRPr lang="en-US" sz="1800" b="1" dirty="0">
+                        <a:solidFill>
+                          <a:schemeClr val="tx1"/>
+                        </a:solidFill>
+                      </a:endParaRPr>
+                    </a:p>
+                  </a:txBody>
+                  <a:tcPr marT="60960" marB="60960"/>
+                </a:tc>
+                <a:tc>
+                  <a:txBody>
+                    <a:bodyPr/>
+                    <a:lstStyle/>
+                    <a:p>
+                      <a:r>
+                        <a:rPr lang="en-US" sz="1800" b="1" dirty="0">
+                          <a:solidFill>
+                            <a:schemeClr val="tx1"/>
+                          </a:solidFill>
+                        </a:rPr>
+                        <a:t>0.47</a:t>
+                      </a:r>
+                    </a:p>
+                  </a:txBody>
+                  <a:tcPr marT="60960" marB="60960"/>
+                </a:tc>
+                <a:tc>
+                  <a:txBody>
+                    <a:bodyPr/>
+                    <a:lstStyle/>
+                    <a:p>
+                      <a:r>
+                        <a:rPr lang="en-US" sz="1800" b="1" dirty="0">
+                          <a:solidFill>
+                            <a:schemeClr val="tx1"/>
+                          </a:solidFill>
+                        </a:rPr>
+                        <a:t>DMX Storm T</a:t>
+                      </a:r>
+                    </a:p>
+                  </a:txBody>
+                  <a:tcPr marT="60960" marB="60960"/>
+                </a:tc>
+                <a:tc>
+                  <a:txBody>
+                    <a:bodyPr/>
+                    <a:lstStyle/>
+                    <a:p>
+                      <a:r>
+                        <a:rPr lang="en-US" sz="1800" b="1" dirty="0">
+                          <a:solidFill>
+                            <a:schemeClr val="tx1"/>
+                          </a:solidFill>
+                        </a:rPr>
+                        <a:t>0.25</a:t>
+                      </a:r>
+                    </a:p>
+                  </a:txBody>
+                  <a:tcPr marT="60960" marB="60960"/>
+                </a:tc>
+                <a:tc>
+                  <a:txBody>
+                    <a:bodyPr/>
+                    <a:lstStyle/>
+                    <a:p>
+                      <a:endParaRPr lang="en-US" sz="1800" b="1">
+                        <a:solidFill>
+                          <a:schemeClr val="tx1"/>
+                        </a:solidFill>
+                      </a:endParaRPr>
+                    </a:p>
+                  </a:txBody>
+                  <a:tcPr marT="54864" marB="54864"/>
+                </a:tc>
+                <a:tc>
+                  <a:txBody>
+                    <a:bodyPr/>
+                    <a:lstStyle/>
+                    <a:p>
+                      <a:endParaRPr lang="en-US" sz="1800" b="1" dirty="0">
+                        <a:solidFill>
+                          <a:schemeClr val="tx1"/>
+                        </a:solidFill>
+                      </a:endParaRPr>
+                    </a:p>
+                  </a:txBody>
+                  <a:tcPr marT="54864" marB="54864"/>
+                </a:tc>
+                <a:extLst>
+                  <a:ext uri="{0D108BD9-81ED-4DB2-BD59-A6C34878D82A}">
+                    <a16:rowId xmlns:a16="http://schemas.microsoft.com/office/drawing/2014/main" val="10004"/>
+                  </a:ext>
+                </a:extLst>
+              </a:tr>
+            </a:tbl>
+          </a:graphicData>
+        </a:graphic>
+      </p:graphicFrame>
+      <p:sp>
+        <p:nvSpPr>
+          <p:cNvPr id="9" name="TextBox 8"/>
+          <p:cNvSpPr txBox="1"/>
+          <p:nvPr/>
+        </p:nvSpPr>
         <p:spPr>
           <a:xfrm>
-            <a:off x="3457574" y="365125"/>
-            <a:ext cx="7896225" cy="1325563"/>
-          </a:xfrm>
-        </p:spPr>
-        <p:txBody>
-          <a:bodyPr/>
-          <a:lstStyle/>
-          <a:p>
-            <a:r>
-              <a:rPr lang="en-US" dirty="0"/>
-              <a:t>Providing (most of) the E</a:t>
-            </a:r>
-          </a:p>
-        </p:txBody>
-      </p:sp>
-      <p:pic>
-        <p:nvPicPr>
-          <p:cNvPr id="4" name="Content Placeholder 3">
-            <a:extLst>
-              <a:ext uri="{FF2B5EF4-FFF2-40B4-BE49-F238E27FC236}">
-                <a16:creationId xmlns:a16="http://schemas.microsoft.com/office/drawing/2014/main" id="{03B449F2-1C94-41F9-904C-728C8D554220}"/>
-              </a:ext>
-            </a:extLst>
-          </p:cNvPr>
-          <p:cNvPicPr>
-            <a:picLocks noGrp="1" noChangeAspect="1"/>
-          </p:cNvPicPr>
-          <p:nvPr>
-            <p:ph idx="1"/>
-          </p:nvPr>
-        </p:nvPicPr>
-        <p:blipFill>
-          <a:blip r:embed="rId2"/>
-          <a:stretch>
-            <a:fillRect/>
-          </a:stretch>
-        </p:blipFill>
-        <p:spPr>
-          <a:xfrm>
-            <a:off x="481013" y="3968"/>
-            <a:ext cx="2686050" cy="2047875"/>
-          </a:xfrm>
-          <a:prstGeom prst="rect">
-            <a:avLst/>
-          </a:prstGeom>
-        </p:spPr>
-      </p:pic>
-      <p:sp>
-        <p:nvSpPr>
-          <p:cNvPr id="5" name="TextBox 4">
-            <a:extLst>
-              <a:ext uri="{FF2B5EF4-FFF2-40B4-BE49-F238E27FC236}">
-                <a16:creationId xmlns:a16="http://schemas.microsoft.com/office/drawing/2014/main" id="{F575F74B-C598-458E-966C-79A7F9E86396}"/>
-              </a:ext>
-            </a:extLst>
-          </p:cNvPr>
-          <p:cNvSpPr txBox="1"/>
-          <p:nvPr/>
-        </p:nvSpPr>
-        <p:spPr>
-          <a:xfrm>
-            <a:off x="3434374" y="1682511"/>
-            <a:ext cx="8177495" cy="523220"/>
+            <a:off x="1752600" y="5454684"/>
+            <a:ext cx="8915400" cy="461665"/>
           </a:xfrm>
           <a:prstGeom prst="rect">
             <a:avLst/>
@@ -4035,183 +4930,23 @@
           <a:noFill/>
         </p:spPr>
         <p:txBody>
-          <a:bodyPr wrap="none" rtlCol="0">
+          <a:bodyPr wrap="square" rtlCol="0">
             <a:spAutoFit/>
           </a:bodyPr>
           <a:lstStyle/>
           <a:p>
-            <a:r>
-              <a:rPr lang="en-US" sz="2800" dirty="0">
-                <a:hlinkClick r:id="rId3"/>
-              </a:rPr>
-              <a:t>https://mesonet.agron.iastate.edu</a:t>
-            </a:r>
-            <a:r>
-              <a:rPr lang="en-US" sz="2800" dirty="0"/>
-              <a:t> (Google: “IEM ISU”)</a:t>
-            </a:r>
-          </a:p>
-        </p:txBody>
-      </p:sp>
-      <p:sp>
-        <p:nvSpPr>
-          <p:cNvPr id="6" name="TextBox 5">
-            <a:extLst>
-              <a:ext uri="{FF2B5EF4-FFF2-40B4-BE49-F238E27FC236}">
-                <a16:creationId xmlns:a16="http://schemas.microsoft.com/office/drawing/2014/main" id="{C479CB5F-4A0F-4E6E-956D-A8C152705A3D}"/>
-              </a:ext>
-            </a:extLst>
-          </p:cNvPr>
-          <p:cNvSpPr txBox="1"/>
-          <p:nvPr/>
-        </p:nvSpPr>
-        <p:spPr>
-          <a:xfrm>
-            <a:off x="481013" y="2337891"/>
-            <a:ext cx="10185224" cy="4154984"/>
-          </a:xfrm>
-          <a:prstGeom prst="rect">
-            <a:avLst/>
-          </a:prstGeom>
-          <a:noFill/>
-        </p:spPr>
-        <p:txBody>
-          <a:bodyPr wrap="none" rtlCol="0">
-            <a:spAutoFit/>
-          </a:bodyPr>
-          <a:lstStyle/>
-          <a:p>
+            <a:pPr algn="ctr"/>
             <a:r>
               <a:rPr lang="en-US" sz="2400" dirty="0"/>
-              <a:t>Iowa </a:t>
+              <a:t>We simply average and get: </a:t>
             </a:r>
             <a:r>
               <a:rPr lang="en-US" sz="2400" b="1" dirty="0"/>
-              <a:t>Environmental </a:t>
-            </a:r>
-            <a:r>
-              <a:rPr lang="en-US" sz="2400" dirty="0" err="1"/>
-              <a:t>Mesonet</a:t>
-            </a:r>
-            <a:endParaRPr lang="en-US" sz="2400" dirty="0"/>
-          </a:p>
-          <a:p>
-            <a:pPr marL="285750" indent="-285750">
-              <a:buFont typeface="Arial" panose="020B0604020202020204" pitchFamily="34" charset="0"/>
-              <a:buChar char="•"/>
-            </a:pPr>
+              <a:t>0.36176470588</a:t>
+            </a:r>
             <a:r>
               <a:rPr lang="en-US" sz="2400" dirty="0"/>
-              <a:t>ISU Agronomy project since 2001</a:t>
-            </a:r>
-          </a:p>
-          <a:p>
-            <a:pPr marL="285750" indent="-285750">
-              <a:buFont typeface="Arial" panose="020B0604020202020204" pitchFamily="34" charset="0"/>
-              <a:buChar char="•"/>
-            </a:pPr>
-            <a:r>
-              <a:rPr lang="en-US" sz="2400" dirty="0"/>
-              <a:t>“</a:t>
-            </a:r>
-            <a:r>
-              <a:rPr lang="en-US" sz="2400" dirty="0" err="1"/>
-              <a:t>Mesonet</a:t>
-            </a:r>
-            <a:r>
-              <a:rPr lang="en-US" sz="2400" dirty="0"/>
-              <a:t>” is a meteorology term describing a network of observations on a </a:t>
-            </a:r>
-            <a:br>
-              <a:rPr lang="en-US" sz="2400" dirty="0"/>
-            </a:br>
-            <a:r>
-              <a:rPr lang="en-US" sz="2400" dirty="0"/>
-              <a:t>spatial scale ~10s km</a:t>
-            </a:r>
-          </a:p>
-          <a:p>
-            <a:pPr marL="285750" indent="-285750">
-              <a:buFont typeface="Arial" panose="020B0604020202020204" pitchFamily="34" charset="0"/>
-              <a:buChar char="•"/>
-            </a:pPr>
-            <a:r>
-              <a:rPr lang="en-US" sz="2400" dirty="0"/>
-              <a:t>Crazy website with all kinds of apps and portals to get lost in and cry over.</a:t>
-            </a:r>
-          </a:p>
-          <a:p>
-            <a:pPr marL="285750" indent="-285750">
-              <a:buFont typeface="Arial" panose="020B0604020202020204" pitchFamily="34" charset="0"/>
-              <a:buChar char="•"/>
-            </a:pPr>
-            <a:endParaRPr lang="en-US" sz="2400" dirty="0"/>
-          </a:p>
-          <a:p>
-            <a:r>
-              <a:rPr lang="en-US" sz="2400" dirty="0"/>
-              <a:t>Please </a:t>
-            </a:r>
-            <a:r>
-              <a:rPr lang="en-US" sz="2400" dirty="0" err="1"/>
-              <a:t>please</a:t>
-            </a:r>
-            <a:r>
-              <a:rPr lang="en-US" sz="2400" dirty="0"/>
-              <a:t> </a:t>
-            </a:r>
-            <a:r>
-              <a:rPr lang="en-US" sz="2400" dirty="0" err="1"/>
-              <a:t>please</a:t>
-            </a:r>
-            <a:r>
-              <a:rPr lang="en-US" sz="2400" dirty="0"/>
-              <a:t>, the main point for today, if you have trouble:</a:t>
-            </a:r>
-          </a:p>
-          <a:p>
-            <a:pPr marL="285750" indent="-285750">
-              <a:buFont typeface="Arial" panose="020B0604020202020204" pitchFamily="34" charset="0"/>
-              <a:buChar char="•"/>
-            </a:pPr>
-            <a:r>
-              <a:rPr lang="en-US" sz="2400" dirty="0"/>
-              <a:t>Tweet me! @</a:t>
-            </a:r>
-            <a:r>
-              <a:rPr lang="en-US" sz="2400" dirty="0" err="1"/>
-              <a:t>akrherz</a:t>
-            </a:r>
-            <a:endParaRPr lang="en-US" sz="2400" dirty="0"/>
-          </a:p>
-          <a:p>
-            <a:pPr marL="285750" indent="-285750">
-              <a:buFont typeface="Arial" panose="020B0604020202020204" pitchFamily="34" charset="0"/>
-              <a:buChar char="•"/>
-            </a:pPr>
-            <a:r>
-              <a:rPr lang="en-US" sz="2400" dirty="0"/>
-              <a:t>Call me! 515 294 5978</a:t>
-            </a:r>
-          </a:p>
-          <a:p>
-            <a:pPr marL="285750" indent="-285750">
-              <a:buFont typeface="Arial" panose="020B0604020202020204" pitchFamily="34" charset="0"/>
-              <a:buChar char="•"/>
-            </a:pPr>
-            <a:r>
-              <a:rPr lang="en-US" sz="2400" dirty="0"/>
-              <a:t>Stop by my office! 3027 Agronomy</a:t>
-            </a:r>
-          </a:p>
-          <a:p>
-            <a:pPr marL="285750" indent="-285750">
-              <a:buFont typeface="Arial" panose="020B0604020202020204" pitchFamily="34" charset="0"/>
-              <a:buChar char="•"/>
-            </a:pPr>
-            <a:r>
-              <a:rPr lang="en-US" sz="2400" dirty="0"/>
-              <a:t>Email me! akrherz@iastate.edu</a:t>
+              <a:t> inches!  What precision!</a:t>
             </a:r>
           </a:p>
         </p:txBody>
@@ -4219,7 +4954,7 @@
     </p:spTree>
     <p:extLst>
       <p:ext uri="{BB962C8B-B14F-4D97-AF65-F5344CB8AC3E}">
-        <p14:creationId xmlns:p14="http://schemas.microsoft.com/office/powerpoint/2010/main" val="1297102058"/>
+        <p14:creationId xmlns:p14="http://schemas.microsoft.com/office/powerpoint/2010/main" val="1384330468"/>
       </p:ext>
     </p:extLst>
   </p:cSld>
@@ -4229,7 +4964,841 @@
 </p:sld>
 </file>
 
-<file path=ppt/slides/slide4.xml><?xml version="1.0" encoding="utf-8"?>
+<file path=ppt/slides/slide12.xml><?xml version="1.0" encoding="utf-8"?>
+<p:sld xmlns:a="http://schemas.openxmlformats.org/drawingml/2006/main" xmlns:r="http://schemas.openxmlformats.org/officeDocument/2006/relationships" xmlns:p="http://schemas.openxmlformats.org/presentationml/2006/main">
+  <p:cSld>
+    <p:spTree>
+      <p:nvGrpSpPr>
+        <p:cNvPr id="1" name=""/>
+        <p:cNvGrpSpPr/>
+        <p:nvPr/>
+      </p:nvGrpSpPr>
+      <p:grpSpPr>
+        <a:xfrm>
+          <a:off x="0" y="0"/>
+          <a:ext cx="0" cy="0"/>
+          <a:chOff x="0" y="0"/>
+          <a:chExt cx="0" cy="0"/>
+        </a:xfrm>
+      </p:grpSpPr>
+      <p:sp>
+        <p:nvSpPr>
+          <p:cNvPr id="4" name="Title 3"/>
+          <p:cNvSpPr>
+            <a:spLocks noGrp="1"/>
+          </p:cNvSpPr>
+          <p:nvPr>
+            <p:ph type="title"/>
+          </p:nvPr>
+        </p:nvSpPr>
+        <p:spPr/>
+        <p:txBody>
+          <a:bodyPr>
+            <a:normAutofit/>
+          </a:bodyPr>
+          <a:lstStyle/>
+          <a:p>
+            <a:r>
+              <a:rPr lang="en-US" dirty="0"/>
+              <a:t>Data Variables to Discuss</a:t>
+            </a:r>
+          </a:p>
+        </p:txBody>
+      </p:sp>
+      <p:sp>
+        <p:nvSpPr>
+          <p:cNvPr id="5" name="TextBox 4"/>
+          <p:cNvSpPr txBox="1"/>
+          <p:nvPr/>
+        </p:nvSpPr>
+        <p:spPr>
+          <a:xfrm>
+            <a:off x="838200" y="2133600"/>
+            <a:ext cx="9514286" cy="2308324"/>
+          </a:xfrm>
+          <a:prstGeom prst="rect">
+            <a:avLst/>
+          </a:prstGeom>
+          <a:noFill/>
+        </p:spPr>
+        <p:txBody>
+          <a:bodyPr wrap="square" rtlCol="0">
+            <a:spAutoFit/>
+          </a:bodyPr>
+          <a:lstStyle/>
+          <a:p>
+            <a:r>
+              <a:rPr lang="en-US" sz="3600" dirty="0">
+                <a:solidFill>
+                  <a:schemeClr val="bg2">
+                    <a:lumMod val="75000"/>
+                  </a:schemeClr>
+                </a:solidFill>
+              </a:rPr>
+              <a:t>Air Temperature, Humidity, and Wind</a:t>
+            </a:r>
+          </a:p>
+          <a:p>
+            <a:r>
+              <a:rPr lang="en-US" sz="3600" dirty="0">
+                <a:solidFill>
+                  <a:schemeClr val="bg2">
+                    <a:lumMod val="75000"/>
+                  </a:schemeClr>
+                </a:solidFill>
+              </a:rPr>
+              <a:t>Precipitation</a:t>
+            </a:r>
+          </a:p>
+          <a:p>
+            <a:r>
+              <a:rPr lang="en-US" sz="3600" b="1" dirty="0"/>
+              <a:t>Soil Moisture/Temperature</a:t>
+            </a:r>
+          </a:p>
+          <a:p>
+            <a:r>
+              <a:rPr lang="en-US" sz="3600" dirty="0">
+                <a:solidFill>
+                  <a:schemeClr val="bg2">
+                    <a:lumMod val="75000"/>
+                  </a:schemeClr>
+                </a:solidFill>
+              </a:rPr>
+              <a:t>Solar Radiation</a:t>
+            </a:r>
+          </a:p>
+        </p:txBody>
+      </p:sp>
+    </p:spTree>
+    <p:extLst>
+      <p:ext uri="{BB962C8B-B14F-4D97-AF65-F5344CB8AC3E}">
+        <p14:creationId xmlns:p14="http://schemas.microsoft.com/office/powerpoint/2010/main" val="3546275046"/>
+      </p:ext>
+    </p:extLst>
+  </p:cSld>
+  <p:clrMapOvr>
+    <a:masterClrMapping/>
+  </p:clrMapOvr>
+</p:sld>
+</file>
+
+<file path=ppt/slides/slide13.xml><?xml version="1.0" encoding="utf-8"?>
+<p:sld xmlns:a="http://schemas.openxmlformats.org/drawingml/2006/main" xmlns:r="http://schemas.openxmlformats.org/officeDocument/2006/relationships" xmlns:p="http://schemas.openxmlformats.org/presentationml/2006/main">
+  <p:cSld>
+    <p:spTree>
+      <p:nvGrpSpPr>
+        <p:cNvPr id="1" name=""/>
+        <p:cNvGrpSpPr/>
+        <p:nvPr/>
+      </p:nvGrpSpPr>
+      <p:grpSpPr>
+        <a:xfrm>
+          <a:off x="0" y="0"/>
+          <a:ext cx="0" cy="0"/>
+          <a:chOff x="0" y="0"/>
+          <a:chExt cx="0" cy="0"/>
+        </a:xfrm>
+      </p:grpSpPr>
+      <p:sp>
+        <p:nvSpPr>
+          <p:cNvPr id="3" name="Title 2"/>
+          <p:cNvSpPr>
+            <a:spLocks noGrp="1"/>
+          </p:cNvSpPr>
+          <p:nvPr>
+            <p:ph type="title"/>
+          </p:nvPr>
+        </p:nvSpPr>
+        <p:spPr/>
+        <p:txBody>
+          <a:bodyPr/>
+          <a:lstStyle/>
+          <a:p>
+            <a:r>
+              <a:rPr lang="en-US" dirty="0"/>
+              <a:t>ISU Soil Moisture Caveats Galore</a:t>
+            </a:r>
+          </a:p>
+        </p:txBody>
+      </p:sp>
+      <p:sp>
+        <p:nvSpPr>
+          <p:cNvPr id="4" name="Content Placeholder 3"/>
+          <p:cNvSpPr>
+            <a:spLocks noGrp="1"/>
+          </p:cNvSpPr>
+          <p:nvPr>
+            <p:ph idx="1"/>
+          </p:nvPr>
+        </p:nvSpPr>
+        <p:spPr/>
+        <p:txBody>
+          <a:bodyPr>
+            <a:normAutofit/>
+          </a:bodyPr>
+          <a:lstStyle/>
+          <a:p>
+            <a:r>
+              <a:rPr lang="en-US" dirty="0"/>
+              <a:t>Only 12, 24, and 50 inch depth readings for moisture</a:t>
+            </a:r>
+          </a:p>
+          <a:p>
+            <a:r>
+              <a:rPr lang="en-US" dirty="0"/>
+              <a:t>4 inch soil temperature is not in the crop field</a:t>
+            </a:r>
+          </a:p>
+          <a:p>
+            <a:r>
+              <a:rPr lang="en-US" dirty="0"/>
+              <a:t>Sensors don’t work properly when soil is frozen</a:t>
+            </a:r>
+          </a:p>
+          <a:p>
+            <a:r>
+              <a:rPr lang="en-US" dirty="0"/>
+              <a:t>We’ve had issues with lightning knocking out sensors</a:t>
+            </a:r>
+          </a:p>
+          <a:p>
+            <a:r>
+              <a:rPr lang="en-US" dirty="0"/>
+              <a:t>Newly installed sensors need time to find equilibrium</a:t>
+            </a:r>
+          </a:p>
+        </p:txBody>
+      </p:sp>
+    </p:spTree>
+    <p:extLst>
+      <p:ext uri="{BB962C8B-B14F-4D97-AF65-F5344CB8AC3E}">
+        <p14:creationId xmlns:p14="http://schemas.microsoft.com/office/powerpoint/2010/main" val="2269157171"/>
+      </p:ext>
+    </p:extLst>
+  </p:cSld>
+  <p:clrMapOvr>
+    <a:masterClrMapping/>
+  </p:clrMapOvr>
+</p:sld>
+</file>
+
+<file path=ppt/slides/slide14.xml><?xml version="1.0" encoding="utf-8"?>
+<p:sld xmlns:a="http://schemas.openxmlformats.org/drawingml/2006/main" xmlns:r="http://schemas.openxmlformats.org/officeDocument/2006/relationships" xmlns:p="http://schemas.openxmlformats.org/presentationml/2006/main">
+  <p:cSld>
+    <p:spTree>
+      <p:nvGrpSpPr>
+        <p:cNvPr id="1" name=""/>
+        <p:cNvGrpSpPr/>
+        <p:nvPr/>
+      </p:nvGrpSpPr>
+      <p:grpSpPr>
+        <a:xfrm>
+          <a:off x="0" y="0"/>
+          <a:ext cx="0" cy="0"/>
+          <a:chOff x="0" y="0"/>
+          <a:chExt cx="0" cy="0"/>
+        </a:xfrm>
+      </p:grpSpPr>
+      <p:pic>
+        <p:nvPicPr>
+          <p:cNvPr id="7" name="Content Placeholder 6"/>
+          <p:cNvPicPr>
+            <a:picLocks noGrp="1" noChangeAspect="1"/>
+          </p:cNvPicPr>
+          <p:nvPr>
+            <p:ph idx="1"/>
+          </p:nvPr>
+        </p:nvPicPr>
+        <p:blipFill>
+          <a:blip r:embed="rId2">
+            <a:extLst>
+              <a:ext uri="{28A0092B-C50C-407E-A947-70E740481C1C}">
+                <a14:useLocalDpi xmlns:a14="http://schemas.microsoft.com/office/drawing/2010/main" val="0"/>
+              </a:ext>
+            </a:extLst>
+          </a:blip>
+          <a:stretch>
+            <a:fillRect/>
+          </a:stretch>
+        </p:blipFill>
+        <p:spPr>
+          <a:xfrm>
+            <a:off x="1649225" y="-8238"/>
+            <a:ext cx="9006416" cy="6754812"/>
+          </a:xfrm>
+        </p:spPr>
+      </p:pic>
+      <p:sp>
+        <p:nvSpPr>
+          <p:cNvPr id="8" name="Rounded Rectangle 7"/>
+          <p:cNvSpPr/>
+          <p:nvPr/>
+        </p:nvSpPr>
+        <p:spPr>
+          <a:xfrm>
+            <a:off x="8610601" y="6477000"/>
+            <a:ext cx="2045043" cy="381000"/>
+          </a:xfrm>
+          <a:prstGeom prst="roundRect">
+            <a:avLst/>
+          </a:prstGeom>
+          <a:noFill/>
+          <a:ln>
+            <a:solidFill>
+              <a:schemeClr val="accent2"/>
+            </a:solidFill>
+          </a:ln>
+        </p:spPr>
+        <p:style>
+          <a:lnRef idx="2">
+            <a:schemeClr val="accent1">
+              <a:shade val="50000"/>
+            </a:schemeClr>
+          </a:lnRef>
+          <a:fillRef idx="1">
+            <a:schemeClr val="accent1"/>
+          </a:fillRef>
+          <a:effectRef idx="0">
+            <a:schemeClr val="accent1"/>
+          </a:effectRef>
+          <a:fontRef idx="minor">
+            <a:schemeClr val="lt1"/>
+          </a:fontRef>
+        </p:style>
+        <p:txBody>
+          <a:bodyPr rtlCol="0" anchor="ctr"/>
+          <a:lstStyle/>
+          <a:p>
+            <a:pPr algn="ctr"/>
+            <a:endParaRPr lang="en-US"/>
+          </a:p>
+        </p:txBody>
+      </p:sp>
+      <p:sp>
+        <p:nvSpPr>
+          <p:cNvPr id="11" name="TextBox 10"/>
+          <p:cNvSpPr txBox="1"/>
+          <p:nvPr/>
+        </p:nvSpPr>
+        <p:spPr>
+          <a:xfrm>
+            <a:off x="2057400" y="76200"/>
+            <a:ext cx="1048236" cy="369332"/>
+          </a:xfrm>
+          <a:prstGeom prst="rect">
+            <a:avLst/>
+          </a:prstGeom>
+          <a:noFill/>
+        </p:spPr>
+        <p:txBody>
+          <a:bodyPr wrap="none" rtlCol="0">
+            <a:spAutoFit/>
+          </a:bodyPr>
+          <a:lstStyle/>
+          <a:p>
+            <a:r>
+              <a:rPr lang="en-US" dirty="0">
+                <a:hlinkClick r:id="rId3"/>
+              </a:rPr>
+              <a:t>Web Link</a:t>
+            </a:r>
+            <a:endParaRPr lang="en-US" dirty="0"/>
+          </a:p>
+        </p:txBody>
+      </p:sp>
+      <p:sp>
+        <p:nvSpPr>
+          <p:cNvPr id="5" name="Rounded Rectangle 4"/>
+          <p:cNvSpPr/>
+          <p:nvPr/>
+        </p:nvSpPr>
+        <p:spPr>
+          <a:xfrm>
+            <a:off x="4953000" y="4114801"/>
+            <a:ext cx="2286000" cy="1295399"/>
+          </a:xfrm>
+          <a:prstGeom prst="roundRect">
+            <a:avLst/>
+          </a:prstGeom>
+          <a:noFill/>
+          <a:ln w="57150">
+            <a:solidFill>
+              <a:schemeClr val="accent4"/>
+            </a:solidFill>
+          </a:ln>
+        </p:spPr>
+        <p:style>
+          <a:lnRef idx="2">
+            <a:schemeClr val="accent1">
+              <a:shade val="50000"/>
+            </a:schemeClr>
+          </a:lnRef>
+          <a:fillRef idx="1">
+            <a:schemeClr val="accent1"/>
+          </a:fillRef>
+          <a:effectRef idx="0">
+            <a:schemeClr val="accent1"/>
+          </a:effectRef>
+          <a:fontRef idx="minor">
+            <a:schemeClr val="lt1"/>
+          </a:fontRef>
+        </p:style>
+        <p:txBody>
+          <a:bodyPr rtlCol="0" anchor="ctr"/>
+          <a:lstStyle/>
+          <a:p>
+            <a:pPr algn="ctr"/>
+            <a:endParaRPr lang="en-US"/>
+          </a:p>
+        </p:txBody>
+      </p:sp>
+    </p:spTree>
+    <p:extLst>
+      <p:ext uri="{BB962C8B-B14F-4D97-AF65-F5344CB8AC3E}">
+        <p14:creationId xmlns:p14="http://schemas.microsoft.com/office/powerpoint/2010/main" val="853609196"/>
+      </p:ext>
+    </p:extLst>
+  </p:cSld>
+  <p:clrMapOvr>
+    <a:masterClrMapping/>
+  </p:clrMapOvr>
+</p:sld>
+</file>
+
+<file path=ppt/slides/slide15.xml><?xml version="1.0" encoding="utf-8"?>
+<p:sld xmlns:a="http://schemas.openxmlformats.org/drawingml/2006/main" xmlns:r="http://schemas.openxmlformats.org/officeDocument/2006/relationships" xmlns:p="http://schemas.openxmlformats.org/presentationml/2006/main">
+  <p:cSld>
+    <p:spTree>
+      <p:nvGrpSpPr>
+        <p:cNvPr id="1" name=""/>
+        <p:cNvGrpSpPr/>
+        <p:nvPr/>
+      </p:nvGrpSpPr>
+      <p:grpSpPr>
+        <a:xfrm>
+          <a:off x="0" y="0"/>
+          <a:ext cx="0" cy="0"/>
+          <a:chOff x="0" y="0"/>
+          <a:chExt cx="0" cy="0"/>
+        </a:xfrm>
+      </p:grpSpPr>
+      <p:pic>
+        <p:nvPicPr>
+          <p:cNvPr id="7" name="Content Placeholder 6"/>
+          <p:cNvPicPr>
+            <a:picLocks noGrp="1" noChangeAspect="1"/>
+          </p:cNvPicPr>
+          <p:nvPr>
+            <p:ph idx="1"/>
+          </p:nvPr>
+        </p:nvPicPr>
+        <p:blipFill rotWithShape="1">
+          <a:blip r:embed="rId2">
+            <a:extLst>
+              <a:ext uri="{28A0092B-C50C-407E-A947-70E740481C1C}">
+                <a14:useLocalDpi xmlns:a14="http://schemas.microsoft.com/office/drawing/2010/main" val="0"/>
+              </a:ext>
+            </a:extLst>
+          </a:blip>
+          <a:srcRect l="5170" t="6890" r="5712" b="61523"/>
+          <a:stretch/>
+        </p:blipFill>
+        <p:spPr>
+          <a:xfrm>
+            <a:off x="1676401" y="457200"/>
+            <a:ext cx="8814709" cy="3124200"/>
+          </a:xfrm>
+        </p:spPr>
+      </p:pic>
+      <p:sp>
+        <p:nvSpPr>
+          <p:cNvPr id="11" name="TextBox 10"/>
+          <p:cNvSpPr txBox="1"/>
+          <p:nvPr/>
+        </p:nvSpPr>
+        <p:spPr>
+          <a:xfrm>
+            <a:off x="2057401" y="76200"/>
+            <a:ext cx="2586477" cy="369332"/>
+          </a:xfrm>
+          <a:prstGeom prst="rect">
+            <a:avLst/>
+          </a:prstGeom>
+          <a:noFill/>
+        </p:spPr>
+        <p:txBody>
+          <a:bodyPr wrap="none" rtlCol="0">
+            <a:spAutoFit/>
+          </a:bodyPr>
+          <a:lstStyle/>
+          <a:p>
+            <a:r>
+              <a:rPr lang="en-US" dirty="0">
+                <a:hlinkClick r:id="rId3"/>
+              </a:rPr>
+              <a:t>Web Link</a:t>
+            </a:r>
+            <a:r>
+              <a:rPr lang="en-US" dirty="0"/>
+              <a:t> (</a:t>
+            </a:r>
+            <a:r>
+              <a:rPr lang="en-US" dirty="0" err="1"/>
+              <a:t>Autoplot</a:t>
+            </a:r>
+            <a:r>
+              <a:rPr lang="en-US" dirty="0"/>
+              <a:t> #177)</a:t>
+            </a:r>
+          </a:p>
+        </p:txBody>
+      </p:sp>
+      <p:sp>
+        <p:nvSpPr>
+          <p:cNvPr id="5" name="Rounded Rectangle 4"/>
+          <p:cNvSpPr/>
+          <p:nvPr/>
+        </p:nvSpPr>
+        <p:spPr>
+          <a:xfrm>
+            <a:off x="7315200" y="609601"/>
+            <a:ext cx="1295400" cy="2514599"/>
+          </a:xfrm>
+          <a:prstGeom prst="roundRect">
+            <a:avLst/>
+          </a:prstGeom>
+          <a:noFill/>
+          <a:ln w="57150">
+            <a:solidFill>
+              <a:schemeClr val="accent4"/>
+            </a:solidFill>
+          </a:ln>
+        </p:spPr>
+        <p:style>
+          <a:lnRef idx="2">
+            <a:schemeClr val="accent1">
+              <a:shade val="50000"/>
+            </a:schemeClr>
+          </a:lnRef>
+          <a:fillRef idx="1">
+            <a:schemeClr val="accent1"/>
+          </a:fillRef>
+          <a:effectRef idx="0">
+            <a:schemeClr val="accent1"/>
+          </a:effectRef>
+          <a:fontRef idx="minor">
+            <a:schemeClr val="lt1"/>
+          </a:fontRef>
+        </p:style>
+        <p:txBody>
+          <a:bodyPr rtlCol="0" anchor="ctr"/>
+          <a:lstStyle/>
+          <a:p>
+            <a:pPr algn="ctr"/>
+            <a:endParaRPr lang="en-US"/>
+          </a:p>
+        </p:txBody>
+      </p:sp>
+      <p:pic>
+        <p:nvPicPr>
+          <p:cNvPr id="2" name="Picture 1"/>
+          <p:cNvPicPr>
+            <a:picLocks noChangeAspect="1"/>
+          </p:cNvPicPr>
+          <p:nvPr/>
+        </p:nvPicPr>
+        <p:blipFill rotWithShape="1">
+          <a:blip r:embed="rId2">
+            <a:extLst>
+              <a:ext uri="{28A0092B-C50C-407E-A947-70E740481C1C}">
+                <a14:useLocalDpi xmlns:a14="http://schemas.microsoft.com/office/drawing/2010/main" val="0"/>
+              </a:ext>
+            </a:extLst>
+          </a:blip>
+          <a:srcRect l="12222" t="88890" r="5556" b="6666"/>
+          <a:stretch/>
+        </p:blipFill>
+        <p:spPr>
+          <a:xfrm>
+            <a:off x="2362201" y="3639065"/>
+            <a:ext cx="8128909" cy="439400"/>
+          </a:xfrm>
+          <a:prstGeom prst="rect">
+            <a:avLst/>
+          </a:prstGeom>
+        </p:spPr>
+      </p:pic>
+    </p:spTree>
+    <p:extLst>
+      <p:ext uri="{BB962C8B-B14F-4D97-AF65-F5344CB8AC3E}">
+        <p14:creationId xmlns:p14="http://schemas.microsoft.com/office/powerpoint/2010/main" val="3068916929"/>
+      </p:ext>
+    </p:extLst>
+  </p:cSld>
+  <p:clrMapOvr>
+    <a:masterClrMapping/>
+  </p:clrMapOvr>
+</p:sld>
+</file>
+
+<file path=ppt/slides/slide16.xml><?xml version="1.0" encoding="utf-8"?>
+<p:sld xmlns:a="http://schemas.openxmlformats.org/drawingml/2006/main" xmlns:r="http://schemas.openxmlformats.org/officeDocument/2006/relationships" xmlns:p="http://schemas.openxmlformats.org/presentationml/2006/main">
+  <p:cSld>
+    <p:spTree>
+      <p:nvGrpSpPr>
+        <p:cNvPr id="1" name=""/>
+        <p:cNvGrpSpPr/>
+        <p:nvPr/>
+      </p:nvGrpSpPr>
+      <p:grpSpPr>
+        <a:xfrm>
+          <a:off x="0" y="0"/>
+          <a:ext cx="0" cy="0"/>
+          <a:chOff x="0" y="0"/>
+          <a:chExt cx="0" cy="0"/>
+        </a:xfrm>
+      </p:grpSpPr>
+      <p:pic>
+        <p:nvPicPr>
+          <p:cNvPr id="7" name="Content Placeholder 6"/>
+          <p:cNvPicPr>
+            <a:picLocks noGrp="1" noChangeAspect="1"/>
+          </p:cNvPicPr>
+          <p:nvPr>
+            <p:ph idx="1"/>
+          </p:nvPr>
+        </p:nvPicPr>
+        <p:blipFill>
+          <a:blip r:embed="rId2">
+            <a:extLst>
+              <a:ext uri="{28A0092B-C50C-407E-A947-70E740481C1C}">
+                <a14:useLocalDpi xmlns:a14="http://schemas.microsoft.com/office/drawing/2010/main" val="0"/>
+              </a:ext>
+            </a:extLst>
+          </a:blip>
+          <a:stretch>
+            <a:fillRect/>
+          </a:stretch>
+        </p:blipFill>
+        <p:spPr>
+          <a:xfrm>
+            <a:off x="1649225" y="-8238"/>
+            <a:ext cx="9006416" cy="6754812"/>
+          </a:xfrm>
+        </p:spPr>
+      </p:pic>
+      <p:sp>
+        <p:nvSpPr>
+          <p:cNvPr id="8" name="Rounded Rectangle 7"/>
+          <p:cNvSpPr/>
+          <p:nvPr/>
+        </p:nvSpPr>
+        <p:spPr>
+          <a:xfrm>
+            <a:off x="8610601" y="6477000"/>
+            <a:ext cx="2045043" cy="381000"/>
+          </a:xfrm>
+          <a:prstGeom prst="roundRect">
+            <a:avLst/>
+          </a:prstGeom>
+          <a:noFill/>
+          <a:ln>
+            <a:solidFill>
+              <a:schemeClr val="accent2"/>
+            </a:solidFill>
+          </a:ln>
+        </p:spPr>
+        <p:style>
+          <a:lnRef idx="2">
+            <a:schemeClr val="accent1">
+              <a:shade val="50000"/>
+            </a:schemeClr>
+          </a:lnRef>
+          <a:fillRef idx="1">
+            <a:schemeClr val="accent1"/>
+          </a:fillRef>
+          <a:effectRef idx="0">
+            <a:schemeClr val="accent1"/>
+          </a:effectRef>
+          <a:fontRef idx="minor">
+            <a:schemeClr val="lt1"/>
+          </a:fontRef>
+        </p:style>
+        <p:txBody>
+          <a:bodyPr rtlCol="0" anchor="ctr"/>
+          <a:lstStyle/>
+          <a:p>
+            <a:pPr algn="ctr"/>
+            <a:endParaRPr lang="en-US"/>
+          </a:p>
+        </p:txBody>
+      </p:sp>
+      <p:sp>
+        <p:nvSpPr>
+          <p:cNvPr id="11" name="TextBox 10"/>
+          <p:cNvSpPr txBox="1"/>
+          <p:nvPr/>
+        </p:nvSpPr>
+        <p:spPr>
+          <a:xfrm>
+            <a:off x="2057400" y="76200"/>
+            <a:ext cx="1048236" cy="369332"/>
+          </a:xfrm>
+          <a:prstGeom prst="rect">
+            <a:avLst/>
+          </a:prstGeom>
+          <a:noFill/>
+        </p:spPr>
+        <p:txBody>
+          <a:bodyPr wrap="none" rtlCol="0">
+            <a:spAutoFit/>
+          </a:bodyPr>
+          <a:lstStyle/>
+          <a:p>
+            <a:r>
+              <a:rPr lang="en-US" dirty="0">
+                <a:hlinkClick r:id="rId3"/>
+              </a:rPr>
+              <a:t>Web Link</a:t>
+            </a:r>
+            <a:endParaRPr lang="en-US" dirty="0"/>
+          </a:p>
+        </p:txBody>
+      </p:sp>
+    </p:spTree>
+    <p:extLst>
+      <p:ext uri="{BB962C8B-B14F-4D97-AF65-F5344CB8AC3E}">
+        <p14:creationId xmlns:p14="http://schemas.microsoft.com/office/powerpoint/2010/main" val="2371273506"/>
+      </p:ext>
+    </p:extLst>
+  </p:cSld>
+  <p:clrMapOvr>
+    <a:masterClrMapping/>
+  </p:clrMapOvr>
+</p:sld>
+</file>
+
+<file path=ppt/slides/slide17.xml><?xml version="1.0" encoding="utf-8"?>
+<p:sld xmlns:a="http://schemas.openxmlformats.org/drawingml/2006/main" xmlns:r="http://schemas.openxmlformats.org/officeDocument/2006/relationships" xmlns:p="http://schemas.openxmlformats.org/presentationml/2006/main">
+  <p:cSld>
+    <p:spTree>
+      <p:nvGrpSpPr>
+        <p:cNvPr id="1" name=""/>
+        <p:cNvGrpSpPr/>
+        <p:nvPr/>
+      </p:nvGrpSpPr>
+      <p:grpSpPr>
+        <a:xfrm>
+          <a:off x="0" y="0"/>
+          <a:ext cx="0" cy="0"/>
+          <a:chOff x="0" y="0"/>
+          <a:chExt cx="0" cy="0"/>
+        </a:xfrm>
+      </p:grpSpPr>
+      <p:sp>
+        <p:nvSpPr>
+          <p:cNvPr id="4" name="Title 3"/>
+          <p:cNvSpPr>
+            <a:spLocks noGrp="1"/>
+          </p:cNvSpPr>
+          <p:nvPr>
+            <p:ph type="title"/>
+          </p:nvPr>
+        </p:nvSpPr>
+        <p:spPr/>
+        <p:txBody>
+          <a:bodyPr>
+            <a:normAutofit/>
+          </a:bodyPr>
+          <a:lstStyle/>
+          <a:p>
+            <a:r>
+              <a:rPr lang="en-US" dirty="0"/>
+              <a:t>Data Variables to Discuss</a:t>
+            </a:r>
+          </a:p>
+        </p:txBody>
+      </p:sp>
+      <p:sp>
+        <p:nvSpPr>
+          <p:cNvPr id="5" name="TextBox 4"/>
+          <p:cNvSpPr txBox="1"/>
+          <p:nvPr/>
+        </p:nvSpPr>
+        <p:spPr>
+          <a:xfrm>
+            <a:off x="838200" y="2133600"/>
+            <a:ext cx="9514286" cy="2308324"/>
+          </a:xfrm>
+          <a:prstGeom prst="rect">
+            <a:avLst/>
+          </a:prstGeom>
+          <a:noFill/>
+        </p:spPr>
+        <p:txBody>
+          <a:bodyPr wrap="square" rtlCol="0">
+            <a:spAutoFit/>
+          </a:bodyPr>
+          <a:lstStyle/>
+          <a:p>
+            <a:r>
+              <a:rPr lang="en-US" sz="3600" dirty="0">
+                <a:solidFill>
+                  <a:schemeClr val="bg2">
+                    <a:lumMod val="75000"/>
+                  </a:schemeClr>
+                </a:solidFill>
+              </a:rPr>
+              <a:t>Air Temperature, Humidity, and Wind</a:t>
+            </a:r>
+          </a:p>
+          <a:p>
+            <a:r>
+              <a:rPr lang="en-US" sz="3600" dirty="0">
+                <a:solidFill>
+                  <a:schemeClr val="bg2">
+                    <a:lumMod val="75000"/>
+                  </a:schemeClr>
+                </a:solidFill>
+              </a:rPr>
+              <a:t>Precipitation</a:t>
+            </a:r>
+          </a:p>
+          <a:p>
+            <a:r>
+              <a:rPr lang="en-US" sz="3600" dirty="0">
+                <a:solidFill>
+                  <a:schemeClr val="bg2">
+                    <a:lumMod val="75000"/>
+                  </a:schemeClr>
+                </a:solidFill>
+              </a:rPr>
+              <a:t>Soil Moisture/Temperature</a:t>
+            </a:r>
+          </a:p>
+          <a:p>
+            <a:r>
+              <a:rPr lang="en-US" sz="3600" b="1" dirty="0"/>
+              <a:t>Solar Radiation</a:t>
+            </a:r>
+          </a:p>
+        </p:txBody>
+      </p:sp>
+    </p:spTree>
+    <p:extLst>
+      <p:ext uri="{BB962C8B-B14F-4D97-AF65-F5344CB8AC3E}">
+        <p14:creationId xmlns:p14="http://schemas.microsoft.com/office/powerpoint/2010/main" val="1443356155"/>
+      </p:ext>
+    </p:extLst>
+  </p:cSld>
+  <p:clrMapOvr>
+    <a:masterClrMapping/>
+  </p:clrMapOvr>
+</p:sld>
+</file>
+
+<file path=ppt/slides/slide18.xml><?xml version="1.0" encoding="utf-8"?>
 <p:sld xmlns:a="http://schemas.openxmlformats.org/drawingml/2006/main" xmlns:r="http://schemas.openxmlformats.org/officeDocument/2006/relationships" xmlns:p="http://schemas.openxmlformats.org/presentationml/2006/main">
   <p:cSld>
     <p:spTree>
@@ -4319,7 +5888,7 @@
 </p:sld>
 </file>
 
-<file path=ppt/slides/slide5.xml><?xml version="1.0" encoding="utf-8"?>
+<file path=ppt/slides/slide19.xml><?xml version="1.0" encoding="utf-8"?>
 <p:sld xmlns:a="http://schemas.openxmlformats.org/drawingml/2006/main" xmlns:r="http://schemas.openxmlformats.org/officeDocument/2006/relationships" xmlns:p="http://schemas.openxmlformats.org/presentationml/2006/main">
   <p:cSld>
     <p:spTree>
@@ -4409,7 +5978,135 @@
 </p:sld>
 </file>
 
-<file path=ppt/slides/slide6.xml><?xml version="1.0" encoding="utf-8"?>
+<file path=ppt/slides/slide2.xml><?xml version="1.0" encoding="utf-8"?>
+<p:sld xmlns:a="http://schemas.openxmlformats.org/drawingml/2006/main" xmlns:r="http://schemas.openxmlformats.org/officeDocument/2006/relationships" xmlns:p="http://schemas.openxmlformats.org/presentationml/2006/main">
+  <p:cSld>
+    <p:spTree>
+      <p:nvGrpSpPr>
+        <p:cNvPr id="1" name=""/>
+        <p:cNvGrpSpPr/>
+        <p:nvPr/>
+      </p:nvGrpSpPr>
+      <p:grpSpPr>
+        <a:xfrm>
+          <a:off x="0" y="0"/>
+          <a:ext cx="0" cy="0"/>
+          <a:chOff x="0" y="0"/>
+          <a:chExt cx="0" cy="0"/>
+        </a:xfrm>
+      </p:grpSpPr>
+      <p:sp>
+        <p:nvSpPr>
+          <p:cNvPr id="2" name="Title 1">
+            <a:extLst>
+              <a:ext uri="{FF2B5EF4-FFF2-40B4-BE49-F238E27FC236}">
+                <a16:creationId xmlns:a16="http://schemas.microsoft.com/office/drawing/2014/main" id="{CA17EDE9-8CE1-4784-879F-B439C8409726}"/>
+              </a:ext>
+            </a:extLst>
+          </p:cNvPr>
+          <p:cNvSpPr>
+            <a:spLocks noGrp="1"/>
+          </p:cNvSpPr>
+          <p:nvPr>
+            <p:ph type="title"/>
+          </p:nvPr>
+        </p:nvSpPr>
+        <p:spPr/>
+        <p:txBody>
+          <a:bodyPr/>
+          <a:lstStyle/>
+          <a:p>
+            <a:r>
+              <a:rPr lang="en-US" dirty="0"/>
+              <a:t>Genetics (G) x Environment (E) x Management (M)</a:t>
+            </a:r>
+          </a:p>
+        </p:txBody>
+      </p:sp>
+      <p:sp>
+        <p:nvSpPr>
+          <p:cNvPr id="3" name="Content Placeholder 2">
+            <a:extLst>
+              <a:ext uri="{FF2B5EF4-FFF2-40B4-BE49-F238E27FC236}">
+                <a16:creationId xmlns:a16="http://schemas.microsoft.com/office/drawing/2014/main" id="{DD74AD66-818A-4A38-BF04-23EE30995394}"/>
+              </a:ext>
+            </a:extLst>
+          </p:cNvPr>
+          <p:cNvSpPr>
+            <a:spLocks noGrp="1"/>
+          </p:cNvSpPr>
+          <p:nvPr>
+            <p:ph idx="1"/>
+          </p:nvPr>
+        </p:nvSpPr>
+        <p:spPr/>
+        <p:txBody>
+          <a:bodyPr>
+            <a:normAutofit/>
+          </a:bodyPr>
+          <a:lstStyle/>
+          <a:p>
+            <a:r>
+              <a:rPr lang="en-US" dirty="0"/>
+              <a:t>Dr Jerry Hatfield’s et al review paper (Agronomy Journal 2015) introduces M into the G x E equation to increase actual yield vs just yield potential.</a:t>
+            </a:r>
+          </a:p>
+          <a:p>
+            <a:r>
+              <a:rPr lang="en-US" dirty="0"/>
+              <a:t>Knowledge of the Environment and Genetics can inform Management decisions.</a:t>
+            </a:r>
+          </a:p>
+          <a:p>
+            <a:r>
+              <a:rPr lang="en-US" dirty="0"/>
+              <a:t>Environmental variables relevant to G x E x M, our topics for today</a:t>
+            </a:r>
+          </a:p>
+          <a:p>
+            <a:pPr lvl="1"/>
+            <a:r>
+              <a:rPr lang="en-US" dirty="0"/>
+              <a:t>Air Temperature, Humidity, and Wind</a:t>
+            </a:r>
+          </a:p>
+          <a:p>
+            <a:pPr lvl="1"/>
+            <a:r>
+              <a:rPr lang="en-US" dirty="0"/>
+              <a:t>Precipitation</a:t>
+            </a:r>
+          </a:p>
+          <a:p>
+            <a:pPr lvl="1"/>
+            <a:r>
+              <a:rPr lang="en-US" dirty="0"/>
+              <a:t>Solar Radiation</a:t>
+            </a:r>
+          </a:p>
+          <a:p>
+            <a:pPr lvl="1"/>
+            <a:r>
+              <a:rPr lang="en-US" dirty="0"/>
+              <a:t>Soil Moisture and Temperature</a:t>
+            </a:r>
+          </a:p>
+        </p:txBody>
+      </p:sp>
+    </p:spTree>
+    <p:extLst>
+      <p:ext uri="{BB962C8B-B14F-4D97-AF65-F5344CB8AC3E}">
+        <p14:creationId xmlns:p14="http://schemas.microsoft.com/office/powerpoint/2010/main" val="2874382434"/>
+      </p:ext>
+    </p:extLst>
+  </p:cSld>
+  <p:clrMapOvr>
+    <a:masterClrMapping/>
+  </p:clrMapOvr>
+</p:sld>
+</file>
+
+<file path=ppt/slides/slide20.xml><?xml version="1.0" encoding="utf-8"?>
 <p:sld xmlns:a="http://schemas.openxmlformats.org/drawingml/2006/main" xmlns:r="http://schemas.openxmlformats.org/officeDocument/2006/relationships" xmlns:p="http://schemas.openxmlformats.org/presentationml/2006/main">
   <p:cSld>
     <p:spTree>
@@ -4490,6 +6187,2212 @@
     <p:extLst>
       <p:ext uri="{BB962C8B-B14F-4D97-AF65-F5344CB8AC3E}">
         <p14:creationId xmlns:p14="http://schemas.microsoft.com/office/powerpoint/2010/main" val="4253167840"/>
+      </p:ext>
+    </p:extLst>
+  </p:cSld>
+  <p:clrMapOvr>
+    <a:masterClrMapping/>
+  </p:clrMapOvr>
+</p:sld>
+</file>
+
+<file path=ppt/slides/slide21.xml><?xml version="1.0" encoding="utf-8"?>
+<p:sld xmlns:a="http://schemas.openxmlformats.org/drawingml/2006/main" xmlns:r="http://schemas.openxmlformats.org/officeDocument/2006/relationships" xmlns:p="http://schemas.openxmlformats.org/presentationml/2006/main">
+  <p:cSld>
+    <p:spTree>
+      <p:nvGrpSpPr>
+        <p:cNvPr id="1" name=""/>
+        <p:cNvGrpSpPr/>
+        <p:nvPr/>
+      </p:nvGrpSpPr>
+      <p:grpSpPr>
+        <a:xfrm>
+          <a:off x="0" y="0"/>
+          <a:ext cx="0" cy="0"/>
+          <a:chOff x="0" y="0"/>
+          <a:chExt cx="0" cy="0"/>
+        </a:xfrm>
+      </p:grpSpPr>
+      <p:sp>
+        <p:nvSpPr>
+          <p:cNvPr id="4" name="Title 3"/>
+          <p:cNvSpPr>
+            <a:spLocks noGrp="1"/>
+          </p:cNvSpPr>
+          <p:nvPr>
+            <p:ph type="title"/>
+          </p:nvPr>
+        </p:nvSpPr>
+        <p:spPr>
+          <a:xfrm>
+            <a:off x="1981200" y="838200"/>
+            <a:ext cx="8229600" cy="1143000"/>
+          </a:xfrm>
+        </p:spPr>
+        <p:txBody>
+          <a:bodyPr>
+            <a:normAutofit fontScale="90000"/>
+          </a:bodyPr>
+          <a:lstStyle/>
+          <a:p>
+            <a:r>
+              <a:rPr lang="en-US" dirty="0"/>
+              <a:t>OK, enough of my rambling…. Questions?</a:t>
+            </a:r>
+            <a:br>
+              <a:rPr lang="en-US" dirty="0"/>
+            </a:br>
+            <a:r>
+              <a:rPr lang="en-US" dirty="0">
+                <a:hlinkClick r:id="rId2"/>
+              </a:rPr>
+              <a:t>https://mesonet.agron.iastate.edu</a:t>
+            </a:r>
+            <a:br>
+              <a:rPr lang="en-US" dirty="0"/>
+            </a:br>
+            <a:r>
+              <a:rPr lang="en-US" dirty="0"/>
+              <a:t>“Info” Tab -&gt; Presentations</a:t>
+            </a:r>
+          </a:p>
+        </p:txBody>
+      </p:sp>
+      <p:pic>
+        <p:nvPicPr>
+          <p:cNvPr id="7" name="Content Placeholder 6"/>
+          <p:cNvPicPr>
+            <a:picLocks noGrp="1" noChangeAspect="1"/>
+          </p:cNvPicPr>
+          <p:nvPr>
+            <p:ph sz="half" idx="1"/>
+          </p:nvPr>
+        </p:nvPicPr>
+        <p:blipFill>
+          <a:blip r:embed="rId3">
+            <a:extLst>
+              <a:ext uri="{28A0092B-C50C-407E-A947-70E740481C1C}">
+                <a14:useLocalDpi xmlns:a14="http://schemas.microsoft.com/office/drawing/2010/main" val="0"/>
+              </a:ext>
+            </a:extLst>
+          </a:blip>
+          <a:stretch>
+            <a:fillRect/>
+          </a:stretch>
+        </p:blipFill>
+        <p:spPr>
+          <a:xfrm>
+            <a:off x="2702417" y="2747210"/>
+            <a:ext cx="2723882" cy="3196391"/>
+          </a:xfrm>
+        </p:spPr>
+      </p:pic>
+      <p:sp>
+        <p:nvSpPr>
+          <p:cNvPr id="6" name="Content Placeholder 5"/>
+          <p:cNvSpPr>
+            <a:spLocks noGrp="1"/>
+          </p:cNvSpPr>
+          <p:nvPr>
+            <p:ph sz="half" idx="2"/>
+          </p:nvPr>
+        </p:nvSpPr>
+        <p:spPr>
+          <a:xfrm>
+            <a:off x="6172200" y="3117347"/>
+            <a:ext cx="4267200" cy="2286000"/>
+          </a:xfrm>
+        </p:spPr>
+        <p:txBody>
+          <a:bodyPr/>
+          <a:lstStyle/>
+          <a:p>
+            <a:r>
+              <a:rPr lang="en-US" dirty="0"/>
+              <a:t>Twitter: @</a:t>
+            </a:r>
+            <a:r>
+              <a:rPr lang="en-US" dirty="0" err="1"/>
+              <a:t>akrherz</a:t>
+            </a:r>
+            <a:endParaRPr lang="en-US" dirty="0"/>
+          </a:p>
+          <a:p>
+            <a:r>
+              <a:rPr lang="en-US" dirty="0"/>
+              <a:t>akrherz@iastate.edu</a:t>
+            </a:r>
+          </a:p>
+          <a:p>
+            <a:r>
+              <a:rPr lang="en-US" dirty="0"/>
+              <a:t>515-451-9249</a:t>
+            </a:r>
+          </a:p>
+        </p:txBody>
+      </p:sp>
+    </p:spTree>
+    <p:extLst>
+      <p:ext uri="{BB962C8B-B14F-4D97-AF65-F5344CB8AC3E}">
+        <p14:creationId xmlns:p14="http://schemas.microsoft.com/office/powerpoint/2010/main" val="3039039050"/>
+      </p:ext>
+    </p:extLst>
+  </p:cSld>
+  <p:clrMapOvr>
+    <a:masterClrMapping/>
+  </p:clrMapOvr>
+</p:sld>
+</file>
+
+<file path=ppt/slides/slide3.xml><?xml version="1.0" encoding="utf-8"?>
+<p:sld xmlns:a="http://schemas.openxmlformats.org/drawingml/2006/main" xmlns:r="http://schemas.openxmlformats.org/officeDocument/2006/relationships" xmlns:p="http://schemas.openxmlformats.org/presentationml/2006/main">
+  <p:cSld>
+    <p:spTree>
+      <p:nvGrpSpPr>
+        <p:cNvPr id="1" name=""/>
+        <p:cNvGrpSpPr/>
+        <p:nvPr/>
+      </p:nvGrpSpPr>
+      <p:grpSpPr>
+        <a:xfrm>
+          <a:off x="0" y="0"/>
+          <a:ext cx="0" cy="0"/>
+          <a:chOff x="0" y="0"/>
+          <a:chExt cx="0" cy="0"/>
+        </a:xfrm>
+      </p:grpSpPr>
+      <p:sp>
+        <p:nvSpPr>
+          <p:cNvPr id="2" name="Title 1">
+            <a:extLst>
+              <a:ext uri="{FF2B5EF4-FFF2-40B4-BE49-F238E27FC236}">
+                <a16:creationId xmlns:a16="http://schemas.microsoft.com/office/drawing/2014/main" id="{72EA2E23-AE2B-438C-9327-AD5E18EAD3F1}"/>
+              </a:ext>
+            </a:extLst>
+          </p:cNvPr>
+          <p:cNvSpPr>
+            <a:spLocks noGrp="1"/>
+          </p:cNvSpPr>
+          <p:nvPr>
+            <p:ph type="title"/>
+          </p:nvPr>
+        </p:nvSpPr>
+        <p:spPr>
+          <a:xfrm>
+            <a:off x="3457574" y="365125"/>
+            <a:ext cx="7896225" cy="1325563"/>
+          </a:xfrm>
+        </p:spPr>
+        <p:txBody>
+          <a:bodyPr>
+            <a:normAutofit fontScale="90000"/>
+          </a:bodyPr>
+          <a:lstStyle/>
+          <a:p>
+            <a:r>
+              <a:rPr lang="en-US" dirty="0"/>
+              <a:t>Providing (most of) the E</a:t>
+            </a:r>
+            <a:br>
+              <a:rPr lang="en-US" dirty="0"/>
+            </a:br>
+            <a:r>
+              <a:rPr lang="en-US" dirty="0"/>
+              <a:t>Iowa </a:t>
+            </a:r>
+            <a:r>
+              <a:rPr lang="en-US" b="1" dirty="0"/>
+              <a:t>Environmental </a:t>
+            </a:r>
+            <a:r>
+              <a:rPr lang="en-US" dirty="0" err="1"/>
+              <a:t>Mesonet</a:t>
+            </a:r>
+            <a:br>
+              <a:rPr lang="en-US" dirty="0"/>
+            </a:br>
+            <a:endParaRPr lang="en-US" dirty="0"/>
+          </a:p>
+        </p:txBody>
+      </p:sp>
+      <p:pic>
+        <p:nvPicPr>
+          <p:cNvPr id="4" name="Content Placeholder 3">
+            <a:extLst>
+              <a:ext uri="{FF2B5EF4-FFF2-40B4-BE49-F238E27FC236}">
+                <a16:creationId xmlns:a16="http://schemas.microsoft.com/office/drawing/2014/main" id="{03B449F2-1C94-41F9-904C-728C8D554220}"/>
+              </a:ext>
+            </a:extLst>
+          </p:cNvPr>
+          <p:cNvPicPr>
+            <a:picLocks noGrp="1" noChangeAspect="1"/>
+          </p:cNvPicPr>
+          <p:nvPr>
+            <p:ph idx="1"/>
+          </p:nvPr>
+        </p:nvPicPr>
+        <p:blipFill>
+          <a:blip r:embed="rId2"/>
+          <a:stretch>
+            <a:fillRect/>
+          </a:stretch>
+        </p:blipFill>
+        <p:spPr>
+          <a:xfrm>
+            <a:off x="481013" y="3968"/>
+            <a:ext cx="2686050" cy="2047875"/>
+          </a:xfrm>
+          <a:prstGeom prst="rect">
+            <a:avLst/>
+          </a:prstGeom>
+        </p:spPr>
+      </p:pic>
+      <p:sp>
+        <p:nvSpPr>
+          <p:cNvPr id="5" name="TextBox 4">
+            <a:extLst>
+              <a:ext uri="{FF2B5EF4-FFF2-40B4-BE49-F238E27FC236}">
+                <a16:creationId xmlns:a16="http://schemas.microsoft.com/office/drawing/2014/main" id="{F575F74B-C598-458E-966C-79A7F9E86396}"/>
+              </a:ext>
+            </a:extLst>
+          </p:cNvPr>
+          <p:cNvSpPr txBox="1"/>
+          <p:nvPr/>
+        </p:nvSpPr>
+        <p:spPr>
+          <a:xfrm>
+            <a:off x="3457574" y="1248509"/>
+            <a:ext cx="8177495" cy="523220"/>
+          </a:xfrm>
+          <a:prstGeom prst="rect">
+            <a:avLst/>
+          </a:prstGeom>
+          <a:noFill/>
+        </p:spPr>
+        <p:txBody>
+          <a:bodyPr wrap="none" rtlCol="0">
+            <a:spAutoFit/>
+          </a:bodyPr>
+          <a:lstStyle/>
+          <a:p>
+            <a:r>
+              <a:rPr lang="en-US" sz="2800" dirty="0">
+                <a:hlinkClick r:id="rId3"/>
+              </a:rPr>
+              <a:t>https://mesonet.agron.iastate.edu</a:t>
+            </a:r>
+            <a:r>
+              <a:rPr lang="en-US" sz="2800" dirty="0"/>
+              <a:t> (Google: “IEM ISU”)</a:t>
+            </a:r>
+          </a:p>
+        </p:txBody>
+      </p:sp>
+      <p:sp>
+        <p:nvSpPr>
+          <p:cNvPr id="6" name="TextBox 5">
+            <a:extLst>
+              <a:ext uri="{FF2B5EF4-FFF2-40B4-BE49-F238E27FC236}">
+                <a16:creationId xmlns:a16="http://schemas.microsoft.com/office/drawing/2014/main" id="{C479CB5F-4A0F-4E6E-956D-A8C152705A3D}"/>
+              </a:ext>
+            </a:extLst>
+          </p:cNvPr>
+          <p:cNvSpPr txBox="1"/>
+          <p:nvPr/>
+        </p:nvSpPr>
+        <p:spPr>
+          <a:xfrm>
+            <a:off x="481013" y="2337891"/>
+            <a:ext cx="10023513" cy="3785652"/>
+          </a:xfrm>
+          <a:prstGeom prst="rect">
+            <a:avLst/>
+          </a:prstGeom>
+          <a:noFill/>
+        </p:spPr>
+        <p:txBody>
+          <a:bodyPr wrap="none" rtlCol="0">
+            <a:spAutoFit/>
+          </a:bodyPr>
+          <a:lstStyle/>
+          <a:p>
+            <a:pPr marL="285750" indent="-285750">
+              <a:buFont typeface="Arial" panose="020B0604020202020204" pitchFamily="34" charset="0"/>
+              <a:buChar char="•"/>
+            </a:pPr>
+            <a:r>
+              <a:rPr lang="en-US" sz="2400" dirty="0"/>
+              <a:t>ISU Agronomy project since 2001</a:t>
+            </a:r>
+          </a:p>
+          <a:p>
+            <a:pPr marL="285750" indent="-285750">
+              <a:buFont typeface="Arial" panose="020B0604020202020204" pitchFamily="34" charset="0"/>
+              <a:buChar char="•"/>
+            </a:pPr>
+            <a:r>
+              <a:rPr lang="en-US" sz="2400" dirty="0"/>
+              <a:t>“</a:t>
+            </a:r>
+            <a:r>
+              <a:rPr lang="en-US" sz="2400" dirty="0" err="1"/>
+              <a:t>Mesonet</a:t>
+            </a:r>
+            <a:r>
+              <a:rPr lang="en-US" sz="2400" dirty="0"/>
+              <a:t>” is a meteorology term describing a network of observations on a </a:t>
+            </a:r>
+            <a:br>
+              <a:rPr lang="en-US" sz="2400" dirty="0"/>
+            </a:br>
+            <a:r>
+              <a:rPr lang="en-US" sz="2400" dirty="0"/>
+              <a:t>spatial scale ~10s km</a:t>
+            </a:r>
+          </a:p>
+          <a:p>
+            <a:pPr marL="285750" indent="-285750">
+              <a:buFont typeface="Arial" panose="020B0604020202020204" pitchFamily="34" charset="0"/>
+              <a:buChar char="•"/>
+            </a:pPr>
+            <a:r>
+              <a:rPr lang="en-US" sz="2400" dirty="0"/>
+              <a:t>Crazy website with all kinds of apps and portals to get lost in and cry over.</a:t>
+            </a:r>
+          </a:p>
+          <a:p>
+            <a:pPr marL="285750" indent="-285750">
+              <a:buFont typeface="Arial" panose="020B0604020202020204" pitchFamily="34" charset="0"/>
+              <a:buChar char="•"/>
+            </a:pPr>
+            <a:endParaRPr lang="en-US" sz="2400" dirty="0"/>
+          </a:p>
+          <a:p>
+            <a:r>
+              <a:rPr lang="en-US" sz="2400" dirty="0"/>
+              <a:t>Please </a:t>
+            </a:r>
+            <a:r>
+              <a:rPr lang="en-US" sz="2400" dirty="0" err="1"/>
+              <a:t>please</a:t>
+            </a:r>
+            <a:r>
+              <a:rPr lang="en-US" sz="2400" dirty="0"/>
+              <a:t> </a:t>
+            </a:r>
+            <a:r>
+              <a:rPr lang="en-US" sz="2400" dirty="0" err="1"/>
+              <a:t>please</a:t>
+            </a:r>
+            <a:r>
+              <a:rPr lang="en-US" sz="2400" dirty="0"/>
+              <a:t>, the main point for today, if you have trouble:</a:t>
+            </a:r>
+          </a:p>
+          <a:p>
+            <a:pPr marL="285750" indent="-285750">
+              <a:buFont typeface="Arial" panose="020B0604020202020204" pitchFamily="34" charset="0"/>
+              <a:buChar char="•"/>
+            </a:pPr>
+            <a:r>
+              <a:rPr lang="en-US" sz="2400" dirty="0"/>
+              <a:t>Tweet me! @</a:t>
+            </a:r>
+            <a:r>
+              <a:rPr lang="en-US" sz="2400" dirty="0" err="1"/>
+              <a:t>akrherz</a:t>
+            </a:r>
+            <a:endParaRPr lang="en-US" sz="2400" dirty="0"/>
+          </a:p>
+          <a:p>
+            <a:pPr marL="285750" indent="-285750">
+              <a:buFont typeface="Arial" panose="020B0604020202020204" pitchFamily="34" charset="0"/>
+              <a:buChar char="•"/>
+            </a:pPr>
+            <a:r>
+              <a:rPr lang="en-US" sz="2400" dirty="0"/>
+              <a:t>Call me! 515 294 5978</a:t>
+            </a:r>
+          </a:p>
+          <a:p>
+            <a:pPr marL="285750" indent="-285750">
+              <a:buFont typeface="Arial" panose="020B0604020202020204" pitchFamily="34" charset="0"/>
+              <a:buChar char="•"/>
+            </a:pPr>
+            <a:r>
+              <a:rPr lang="en-US" sz="2400" dirty="0"/>
+              <a:t>Stop by my office! 3027 Agronomy</a:t>
+            </a:r>
+          </a:p>
+          <a:p>
+            <a:pPr marL="285750" indent="-285750">
+              <a:buFont typeface="Arial" panose="020B0604020202020204" pitchFamily="34" charset="0"/>
+              <a:buChar char="•"/>
+            </a:pPr>
+            <a:r>
+              <a:rPr lang="en-US" sz="2400" dirty="0"/>
+              <a:t>Email me! akrherz@iastate.edu</a:t>
+            </a:r>
+          </a:p>
+        </p:txBody>
+      </p:sp>
+    </p:spTree>
+    <p:extLst>
+      <p:ext uri="{BB962C8B-B14F-4D97-AF65-F5344CB8AC3E}">
+        <p14:creationId xmlns:p14="http://schemas.microsoft.com/office/powerpoint/2010/main" val="1297102058"/>
+      </p:ext>
+    </p:extLst>
+  </p:cSld>
+  <p:clrMapOvr>
+    <a:masterClrMapping/>
+  </p:clrMapOvr>
+</p:sld>
+</file>
+
+<file path=ppt/slides/slide4.xml><?xml version="1.0" encoding="utf-8"?>
+<p:sld xmlns:a="http://schemas.openxmlformats.org/drawingml/2006/main" xmlns:r="http://schemas.openxmlformats.org/officeDocument/2006/relationships" xmlns:p="http://schemas.openxmlformats.org/presentationml/2006/main">
+  <p:cSld>
+    <p:spTree>
+      <p:nvGrpSpPr>
+        <p:cNvPr id="1" name=""/>
+        <p:cNvGrpSpPr/>
+        <p:nvPr/>
+      </p:nvGrpSpPr>
+      <p:grpSpPr>
+        <a:xfrm>
+          <a:off x="0" y="0"/>
+          <a:ext cx="0" cy="0"/>
+          <a:chOff x="0" y="0"/>
+          <a:chExt cx="0" cy="0"/>
+        </a:xfrm>
+      </p:grpSpPr>
+      <p:pic>
+        <p:nvPicPr>
+          <p:cNvPr id="7" name="Content Placeholder 6"/>
+          <p:cNvPicPr>
+            <a:picLocks noGrp="1" noChangeAspect="1"/>
+          </p:cNvPicPr>
+          <p:nvPr>
+            <p:ph sz="half" idx="1"/>
+          </p:nvPr>
+        </p:nvPicPr>
+        <p:blipFill>
+          <a:blip r:embed="rId2">
+            <a:extLst>
+              <a:ext uri="{28A0092B-C50C-407E-A947-70E740481C1C}">
+                <a14:useLocalDpi xmlns:a14="http://schemas.microsoft.com/office/drawing/2010/main" val="0"/>
+              </a:ext>
+            </a:extLst>
+          </a:blip>
+          <a:stretch>
+            <a:fillRect/>
+          </a:stretch>
+        </p:blipFill>
+        <p:spPr>
+          <a:xfrm>
+            <a:off x="249677" y="681037"/>
+            <a:ext cx="6234048" cy="5213230"/>
+          </a:xfrm>
+        </p:spPr>
+      </p:pic>
+      <p:sp>
+        <p:nvSpPr>
+          <p:cNvPr id="6" name="Content Placeholder 5"/>
+          <p:cNvSpPr>
+            <a:spLocks noGrp="1"/>
+          </p:cNvSpPr>
+          <p:nvPr>
+            <p:ph sz="half" idx="2"/>
+          </p:nvPr>
+        </p:nvSpPr>
+        <p:spPr>
+          <a:xfrm>
+            <a:off x="6673174" y="681037"/>
+            <a:ext cx="4680626" cy="5495926"/>
+          </a:xfrm>
+        </p:spPr>
+        <p:txBody>
+          <a:bodyPr>
+            <a:normAutofit/>
+          </a:bodyPr>
+          <a:lstStyle/>
+          <a:p>
+            <a:r>
+              <a:rPr lang="en-US" dirty="0"/>
+              <a:t>The website aggregates data from many different data sources.</a:t>
+            </a:r>
+          </a:p>
+          <a:p>
+            <a:r>
+              <a:rPr lang="en-US" dirty="0"/>
+              <a:t>Data is generally organized by acronym heavy “Networks”,</a:t>
+            </a:r>
+          </a:p>
+          <a:p>
+            <a:pPr lvl="1"/>
+            <a:r>
+              <a:rPr lang="en-US" dirty="0"/>
+              <a:t>ISU Soil Moisture Network is one such network.</a:t>
+            </a:r>
+          </a:p>
+          <a:p>
+            <a:r>
+              <a:rPr lang="en-US" dirty="0"/>
+              <a:t>“Daily Feature” highlights some relevant and deep linked plot each day.</a:t>
+            </a:r>
+          </a:p>
+          <a:p>
+            <a:endParaRPr lang="en-US" dirty="0"/>
+          </a:p>
+        </p:txBody>
+      </p:sp>
+    </p:spTree>
+    <p:extLst>
+      <p:ext uri="{BB962C8B-B14F-4D97-AF65-F5344CB8AC3E}">
+        <p14:creationId xmlns:p14="http://schemas.microsoft.com/office/powerpoint/2010/main" val="1152493703"/>
+      </p:ext>
+    </p:extLst>
+  </p:cSld>
+  <p:clrMapOvr>
+    <a:masterClrMapping/>
+  </p:clrMapOvr>
+</p:sld>
+</file>
+
+<file path=ppt/slides/slide5.xml><?xml version="1.0" encoding="utf-8"?>
+<p:sld xmlns:a="http://schemas.openxmlformats.org/drawingml/2006/main" xmlns:r="http://schemas.openxmlformats.org/officeDocument/2006/relationships" xmlns:p="http://schemas.openxmlformats.org/presentationml/2006/main">
+  <p:cSld>
+    <p:spTree>
+      <p:nvGrpSpPr>
+        <p:cNvPr id="1" name=""/>
+        <p:cNvGrpSpPr/>
+        <p:nvPr/>
+      </p:nvGrpSpPr>
+      <p:grpSpPr>
+        <a:xfrm>
+          <a:off x="0" y="0"/>
+          <a:ext cx="0" cy="0"/>
+          <a:chOff x="0" y="0"/>
+          <a:chExt cx="0" cy="0"/>
+        </a:xfrm>
+      </p:grpSpPr>
+      <p:sp>
+        <p:nvSpPr>
+          <p:cNvPr id="5" name="Title 4"/>
+          <p:cNvSpPr>
+            <a:spLocks noGrp="1"/>
+          </p:cNvSpPr>
+          <p:nvPr>
+            <p:ph type="title"/>
+          </p:nvPr>
+        </p:nvSpPr>
+        <p:spPr/>
+        <p:txBody>
+          <a:bodyPr/>
+          <a:lstStyle/>
+          <a:p>
+            <a:r>
+              <a:rPr lang="en-US" dirty="0"/>
+              <a:t>IEM Aggregated Networks</a:t>
+            </a:r>
+          </a:p>
+        </p:txBody>
+      </p:sp>
+      <p:graphicFrame>
+        <p:nvGraphicFramePr>
+          <p:cNvPr id="7" name="Content Placeholder 6"/>
+          <p:cNvGraphicFramePr>
+            <a:graphicFrameLocks noGrp="1"/>
+          </p:cNvGraphicFramePr>
+          <p:nvPr>
+            <p:ph idx="1"/>
+            <p:extLst>
+              <p:ext uri="{D42A27DB-BD31-4B8C-83A1-F6EECF244321}">
+                <p14:modId xmlns:p14="http://schemas.microsoft.com/office/powerpoint/2010/main" val="3374081034"/>
+              </p:ext>
+            </p:extLst>
+          </p:nvPr>
+        </p:nvGraphicFramePr>
+        <p:xfrm>
+          <a:off x="542924" y="1600200"/>
+          <a:ext cx="11115675" cy="4785360"/>
+        </p:xfrm>
+        <a:graphic>
+          <a:graphicData uri="http://schemas.openxmlformats.org/drawingml/2006/table">
+            <a:tbl>
+              <a:tblPr firstRow="1" bandRow="1">
+                <a:tableStyleId>{5C22544A-7EE6-4342-B048-85BDC9FD1C3A}</a:tableStyleId>
+              </a:tblPr>
+              <a:tblGrid>
+                <a:gridCol w="2343151">
+                  <a:extLst>
+                    <a:ext uri="{9D8B030D-6E8A-4147-A177-3AD203B41FA5}">
+                      <a16:colId xmlns:a16="http://schemas.microsoft.com/office/drawing/2014/main" val="3790491294"/>
+                    </a:ext>
+                  </a:extLst>
+                </a:gridCol>
+                <a:gridCol w="8772524">
+                  <a:extLst>
+                    <a:ext uri="{9D8B030D-6E8A-4147-A177-3AD203B41FA5}">
+                      <a16:colId xmlns:a16="http://schemas.microsoft.com/office/drawing/2014/main" val="788220221"/>
+                    </a:ext>
+                  </a:extLst>
+                </a:gridCol>
+              </a:tblGrid>
+              <a:tr h="370840">
+                <a:tc>
+                  <a:txBody>
+                    <a:bodyPr/>
+                    <a:lstStyle/>
+                    <a:p>
+                      <a:r>
+                        <a:rPr lang="en-US" dirty="0"/>
+                        <a:t>Acronym / Title</a:t>
+                      </a:r>
+                    </a:p>
+                  </a:txBody>
+                  <a:tcPr/>
+                </a:tc>
+                <a:tc>
+                  <a:txBody>
+                    <a:bodyPr/>
+                    <a:lstStyle/>
+                    <a:p>
+                      <a:r>
+                        <a:rPr lang="en-US" dirty="0"/>
+                        <a:t>Description</a:t>
+                      </a:r>
+                    </a:p>
+                  </a:txBody>
+                  <a:tcPr/>
+                </a:tc>
+                <a:extLst>
+                  <a:ext uri="{0D108BD9-81ED-4DB2-BD59-A6C34878D82A}">
+                    <a16:rowId xmlns:a16="http://schemas.microsoft.com/office/drawing/2014/main" val="4263374061"/>
+                  </a:ext>
+                </a:extLst>
+              </a:tr>
+              <a:tr h="370840">
+                <a:tc>
+                  <a:txBody>
+                    <a:bodyPr/>
+                    <a:lstStyle/>
+                    <a:p>
+                      <a:r>
+                        <a:rPr lang="en-US" dirty="0"/>
+                        <a:t>ASOS / AWOS</a:t>
+                      </a:r>
+                    </a:p>
+                  </a:txBody>
+                  <a:tcPr/>
+                </a:tc>
+                <a:tc>
+                  <a:txBody>
+                    <a:bodyPr/>
+                    <a:lstStyle/>
+                    <a:p>
+                      <a:r>
+                        <a:rPr lang="en-US" dirty="0"/>
+                        <a:t>General classification of </a:t>
+                      </a:r>
+                      <a:r>
+                        <a:rPr lang="en-US" b="1" dirty="0"/>
+                        <a:t>Airport weather stations </a:t>
+                      </a:r>
+                      <a:r>
+                        <a:rPr lang="en-US" dirty="0"/>
+                        <a:t>operated by the FAA, NWS, DoD, and state DOTs.</a:t>
+                      </a:r>
+                    </a:p>
+                  </a:txBody>
+                  <a:tcPr/>
+                </a:tc>
+                <a:extLst>
+                  <a:ext uri="{0D108BD9-81ED-4DB2-BD59-A6C34878D82A}">
+                    <a16:rowId xmlns:a16="http://schemas.microsoft.com/office/drawing/2014/main" val="3392005990"/>
+                  </a:ext>
+                </a:extLst>
+              </a:tr>
+              <a:tr h="370840">
+                <a:tc>
+                  <a:txBody>
+                    <a:bodyPr/>
+                    <a:lstStyle/>
+                    <a:p>
+                      <a:r>
+                        <a:rPr lang="en-US" dirty="0" err="1"/>
+                        <a:t>CoCoRaHS</a:t>
+                      </a:r>
+                      <a:endParaRPr lang="en-US" dirty="0"/>
+                    </a:p>
+                  </a:txBody>
+                  <a:tcPr/>
+                </a:tc>
+                <a:tc>
+                  <a:txBody>
+                    <a:bodyPr/>
+                    <a:lstStyle/>
+                    <a:p>
+                      <a:r>
+                        <a:rPr lang="en-US" dirty="0"/>
+                        <a:t>Citizen science reporting “daily” snowfall, snow depth and precipitation.</a:t>
+                      </a:r>
+                    </a:p>
+                  </a:txBody>
+                  <a:tcPr/>
+                </a:tc>
+                <a:extLst>
+                  <a:ext uri="{0D108BD9-81ED-4DB2-BD59-A6C34878D82A}">
+                    <a16:rowId xmlns:a16="http://schemas.microsoft.com/office/drawing/2014/main" val="1353517128"/>
+                  </a:ext>
+                </a:extLst>
+              </a:tr>
+              <a:tr h="370840">
+                <a:tc>
+                  <a:txBody>
+                    <a:bodyPr/>
+                    <a:lstStyle/>
+                    <a:p>
+                      <a:r>
+                        <a:rPr lang="en-US" dirty="0"/>
+                        <a:t>NWS COOP</a:t>
+                      </a:r>
+                    </a:p>
+                  </a:txBody>
+                  <a:tcPr/>
+                </a:tc>
+                <a:tc>
+                  <a:txBody>
+                    <a:bodyPr/>
+                    <a:lstStyle/>
+                    <a:p>
+                      <a:r>
+                        <a:rPr lang="en-US" dirty="0"/>
+                        <a:t>National Weather Service Cooperative Observers reporting “daily” high and low temperatures, precipitation, and snowfall. </a:t>
+                      </a:r>
+                    </a:p>
+                  </a:txBody>
+                  <a:tcPr/>
+                </a:tc>
+                <a:extLst>
+                  <a:ext uri="{0D108BD9-81ED-4DB2-BD59-A6C34878D82A}">
+                    <a16:rowId xmlns:a16="http://schemas.microsoft.com/office/drawing/2014/main" val="154310815"/>
+                  </a:ext>
+                </a:extLst>
+              </a:tr>
+              <a:tr h="370840">
+                <a:tc>
+                  <a:txBody>
+                    <a:bodyPr/>
+                    <a:lstStyle/>
+                    <a:p>
+                      <a:r>
+                        <a:rPr lang="en-US" dirty="0"/>
+                        <a:t>DCP</a:t>
+                      </a:r>
+                    </a:p>
+                  </a:txBody>
+                  <a:tcPr/>
+                </a:tc>
+                <a:tc>
+                  <a:txBody>
+                    <a:bodyPr/>
+                    <a:lstStyle/>
+                    <a:p>
+                      <a:r>
+                        <a:rPr lang="en-US" dirty="0"/>
+                        <a:t>General grouping of many different types of sensors that focus on hydrology.</a:t>
+                      </a:r>
+                    </a:p>
+                  </a:txBody>
+                  <a:tcPr/>
+                </a:tc>
+                <a:extLst>
+                  <a:ext uri="{0D108BD9-81ED-4DB2-BD59-A6C34878D82A}">
+                    <a16:rowId xmlns:a16="http://schemas.microsoft.com/office/drawing/2014/main" val="3782392942"/>
+                  </a:ext>
+                </a:extLst>
+              </a:tr>
+              <a:tr h="370840">
+                <a:tc>
+                  <a:txBody>
+                    <a:bodyPr/>
+                    <a:lstStyle/>
+                    <a:p>
+                      <a:r>
+                        <a:rPr lang="en-US" dirty="0"/>
+                        <a:t>ISU Soil Moisture</a:t>
+                      </a:r>
+                    </a:p>
+                  </a:txBody>
+                  <a:tcPr/>
+                </a:tc>
+                <a:tc>
+                  <a:txBody>
+                    <a:bodyPr/>
+                    <a:lstStyle/>
+                    <a:p>
+                      <a:r>
+                        <a:rPr lang="en-US" dirty="0"/>
+                        <a:t>Iowa State operated network of weather stations focused on Agriculture weather data needs.</a:t>
+                      </a:r>
+                    </a:p>
+                  </a:txBody>
+                  <a:tcPr/>
+                </a:tc>
+                <a:extLst>
+                  <a:ext uri="{0D108BD9-81ED-4DB2-BD59-A6C34878D82A}">
+                    <a16:rowId xmlns:a16="http://schemas.microsoft.com/office/drawing/2014/main" val="3290630416"/>
+                  </a:ext>
+                </a:extLst>
+              </a:tr>
+              <a:tr h="370840">
+                <a:tc>
+                  <a:txBody>
+                    <a:bodyPr/>
+                    <a:lstStyle/>
+                    <a:p>
+                      <a:r>
+                        <a:rPr lang="en-US" dirty="0"/>
+                        <a:t>NLAE Flux</a:t>
+                      </a:r>
+                    </a:p>
+                  </a:txBody>
+                  <a:tcPr/>
+                </a:tc>
+                <a:tc>
+                  <a:txBody>
+                    <a:bodyPr/>
+                    <a:lstStyle/>
+                    <a:p>
+                      <a:pPr marL="0" marR="0" lvl="0" indent="0" algn="l" defTabSz="914400" rtl="0" eaLnBrk="1" fontAlgn="auto" latinLnBrk="0" hangingPunct="1">
+                        <a:lnSpc>
+                          <a:spcPct val="100000"/>
+                        </a:lnSpc>
+                        <a:spcBef>
+                          <a:spcPts val="0"/>
+                        </a:spcBef>
+                        <a:spcAft>
+                          <a:spcPts val="0"/>
+                        </a:spcAft>
+                        <a:buClrTx/>
+                        <a:buSzTx/>
+                        <a:buFontTx/>
+                        <a:buNone/>
+                        <a:tabLst/>
+                        <a:defRPr/>
+                      </a:pPr>
+                      <a:r>
+                        <a:rPr lang="en-US" dirty="0"/>
+                        <a:t>Advanced monitoring stations by the USDA NLAE monitoring various fluxes from agricultural landscapes. </a:t>
+                      </a:r>
+                    </a:p>
+                  </a:txBody>
+                  <a:tcPr/>
+                </a:tc>
+                <a:extLst>
+                  <a:ext uri="{0D108BD9-81ED-4DB2-BD59-A6C34878D82A}">
+                    <a16:rowId xmlns:a16="http://schemas.microsoft.com/office/drawing/2014/main" val="204870838"/>
+                  </a:ext>
+                </a:extLst>
+              </a:tr>
+              <a:tr h="370840">
+                <a:tc>
+                  <a:txBody>
+                    <a:bodyPr/>
+                    <a:lstStyle/>
+                    <a:p>
+                      <a:r>
+                        <a:rPr lang="en-US" dirty="0"/>
+                        <a:t>RWIS</a:t>
+                      </a:r>
+                    </a:p>
+                  </a:txBody>
+                  <a:tcPr/>
+                </a:tc>
+                <a:tc>
+                  <a:txBody>
+                    <a:bodyPr/>
+                    <a:lstStyle/>
+                    <a:p>
+                      <a:pPr marL="0" marR="0" lvl="0" indent="0" algn="l" defTabSz="914400" rtl="0" eaLnBrk="1" fontAlgn="auto" latinLnBrk="0" hangingPunct="1">
+                        <a:lnSpc>
+                          <a:spcPct val="100000"/>
+                        </a:lnSpc>
+                        <a:spcBef>
+                          <a:spcPts val="0"/>
+                        </a:spcBef>
+                        <a:spcAft>
+                          <a:spcPts val="0"/>
+                        </a:spcAft>
+                        <a:buClrTx/>
+                        <a:buSzTx/>
+                        <a:buFontTx/>
+                        <a:buNone/>
+                        <a:tabLst/>
+                        <a:defRPr/>
+                      </a:pPr>
+                      <a:r>
+                        <a:rPr lang="en-US" dirty="0"/>
+                        <a:t>DOT Roadway Weather Information Systems monitoring weather and pavement state.</a:t>
+                      </a:r>
+                    </a:p>
+                  </a:txBody>
+                  <a:tcPr/>
+                </a:tc>
+                <a:extLst>
+                  <a:ext uri="{0D108BD9-81ED-4DB2-BD59-A6C34878D82A}">
+                    <a16:rowId xmlns:a16="http://schemas.microsoft.com/office/drawing/2014/main" val="3230384496"/>
+                  </a:ext>
+                </a:extLst>
+              </a:tr>
+              <a:tr h="370840">
+                <a:tc>
+                  <a:txBody>
+                    <a:bodyPr/>
+                    <a:lstStyle/>
+                    <a:p>
+                      <a:r>
+                        <a:rPr lang="en-US" dirty="0"/>
+                        <a:t>SCAN</a:t>
+                      </a:r>
+                    </a:p>
+                  </a:txBody>
+                  <a:tcPr/>
+                </a:tc>
+                <a:tc>
+                  <a:txBody>
+                    <a:bodyPr/>
+                    <a:lstStyle/>
+                    <a:p>
+                      <a:pPr marL="0" marR="0" lvl="0" indent="0" algn="l" defTabSz="914400" rtl="0" eaLnBrk="1" fontAlgn="auto" latinLnBrk="0" hangingPunct="1">
+                        <a:lnSpc>
+                          <a:spcPct val="100000"/>
+                        </a:lnSpc>
+                        <a:spcBef>
+                          <a:spcPts val="0"/>
+                        </a:spcBef>
+                        <a:spcAft>
+                          <a:spcPts val="0"/>
+                        </a:spcAft>
+                        <a:buClrTx/>
+                        <a:buSzTx/>
+                        <a:buFontTx/>
+                        <a:buNone/>
+                        <a:tabLst/>
+                        <a:defRPr/>
+                      </a:pPr>
+                      <a:r>
+                        <a:rPr lang="en-US" dirty="0"/>
+                        <a:t>USDA Soil Climate Analysis Network</a:t>
+                      </a:r>
+                    </a:p>
+                  </a:txBody>
+                  <a:tcPr/>
+                </a:tc>
+                <a:extLst>
+                  <a:ext uri="{0D108BD9-81ED-4DB2-BD59-A6C34878D82A}">
+                    <a16:rowId xmlns:a16="http://schemas.microsoft.com/office/drawing/2014/main" val="3526088031"/>
+                  </a:ext>
+                </a:extLst>
+              </a:tr>
+              <a:tr h="370840">
+                <a:tc>
+                  <a:txBody>
+                    <a:bodyPr/>
+                    <a:lstStyle/>
+                    <a:p>
+                      <a:r>
+                        <a:rPr lang="en-US" dirty="0"/>
+                        <a:t>Other</a:t>
+                      </a:r>
+                    </a:p>
+                  </a:txBody>
+                  <a:tcPr/>
+                </a:tc>
+                <a:tc>
+                  <a:txBody>
+                    <a:bodyPr/>
+                    <a:lstStyle/>
+                    <a:p>
+                      <a:pPr marL="0" marR="0" lvl="0" indent="0" algn="l" defTabSz="914400" rtl="0" eaLnBrk="1" fontAlgn="auto" latinLnBrk="0" hangingPunct="1">
+                        <a:lnSpc>
+                          <a:spcPct val="100000"/>
+                        </a:lnSpc>
+                        <a:spcBef>
+                          <a:spcPts val="0"/>
+                        </a:spcBef>
+                        <a:spcAft>
+                          <a:spcPts val="0"/>
+                        </a:spcAft>
+                        <a:buClrTx/>
+                        <a:buSzTx/>
+                        <a:buFontTx/>
+                        <a:buNone/>
+                        <a:tabLst/>
+                        <a:defRPr/>
+                      </a:pPr>
+                      <a:r>
+                        <a:rPr lang="en-US" dirty="0"/>
+                        <a:t>Various other stations.</a:t>
+                      </a:r>
+                    </a:p>
+                  </a:txBody>
+                  <a:tcPr/>
+                </a:tc>
+                <a:extLst>
+                  <a:ext uri="{0D108BD9-81ED-4DB2-BD59-A6C34878D82A}">
+                    <a16:rowId xmlns:a16="http://schemas.microsoft.com/office/drawing/2014/main" val="2920262592"/>
+                  </a:ext>
+                </a:extLst>
+              </a:tr>
+            </a:tbl>
+          </a:graphicData>
+        </a:graphic>
+      </p:graphicFrame>
+    </p:spTree>
+    <p:extLst>
+      <p:ext uri="{BB962C8B-B14F-4D97-AF65-F5344CB8AC3E}">
+        <p14:creationId xmlns:p14="http://schemas.microsoft.com/office/powerpoint/2010/main" val="1810921834"/>
+      </p:ext>
+    </p:extLst>
+  </p:cSld>
+  <p:clrMapOvr>
+    <a:masterClrMapping/>
+  </p:clrMapOvr>
+</p:sld>
+</file>
+
+<file path=ppt/slides/slide6.xml><?xml version="1.0" encoding="utf-8"?>
+<p:sld xmlns:a="http://schemas.openxmlformats.org/drawingml/2006/main" xmlns:r="http://schemas.openxmlformats.org/officeDocument/2006/relationships" xmlns:p="http://schemas.openxmlformats.org/presentationml/2006/main">
+  <p:cSld>
+    <p:spTree>
+      <p:nvGrpSpPr>
+        <p:cNvPr id="1" name=""/>
+        <p:cNvGrpSpPr/>
+        <p:nvPr/>
+      </p:nvGrpSpPr>
+      <p:grpSpPr>
+        <a:xfrm>
+          <a:off x="0" y="0"/>
+          <a:ext cx="0" cy="0"/>
+          <a:chOff x="0" y="0"/>
+          <a:chExt cx="0" cy="0"/>
+        </a:xfrm>
+      </p:grpSpPr>
+      <p:sp>
+        <p:nvSpPr>
+          <p:cNvPr id="5" name="Title 4"/>
+          <p:cNvSpPr>
+            <a:spLocks noGrp="1"/>
+          </p:cNvSpPr>
+          <p:nvPr>
+            <p:ph type="title"/>
+          </p:nvPr>
+        </p:nvSpPr>
+        <p:spPr/>
+        <p:txBody>
+          <a:bodyPr/>
+          <a:lstStyle/>
+          <a:p>
+            <a:r>
+              <a:rPr lang="en-US" dirty="0"/>
+              <a:t>Which network should I use?</a:t>
+            </a:r>
+          </a:p>
+        </p:txBody>
+      </p:sp>
+      <p:graphicFrame>
+        <p:nvGraphicFramePr>
+          <p:cNvPr id="7" name="Content Placeholder 6"/>
+          <p:cNvGraphicFramePr>
+            <a:graphicFrameLocks noGrp="1"/>
+          </p:cNvGraphicFramePr>
+          <p:nvPr>
+            <p:ph idx="1"/>
+            <p:extLst>
+              <p:ext uri="{D42A27DB-BD31-4B8C-83A1-F6EECF244321}">
+                <p14:modId xmlns:p14="http://schemas.microsoft.com/office/powerpoint/2010/main" val="2106728863"/>
+              </p:ext>
+            </p:extLst>
+          </p:nvPr>
+        </p:nvGraphicFramePr>
+        <p:xfrm>
+          <a:off x="542925" y="1600200"/>
+          <a:ext cx="11029950" cy="3403600"/>
+        </p:xfrm>
+        <a:graphic>
+          <a:graphicData uri="http://schemas.openxmlformats.org/drawingml/2006/table">
+            <a:tbl>
+              <a:tblPr firstRow="1" bandRow="1">
+                <a:tableStyleId>{5C22544A-7EE6-4342-B048-85BDC9FD1C3A}</a:tableStyleId>
+              </a:tblPr>
+              <a:tblGrid>
+                <a:gridCol w="4043363">
+                  <a:extLst>
+                    <a:ext uri="{9D8B030D-6E8A-4147-A177-3AD203B41FA5}">
+                      <a16:colId xmlns:a16="http://schemas.microsoft.com/office/drawing/2014/main" val="3790491294"/>
+                    </a:ext>
+                  </a:extLst>
+                </a:gridCol>
+                <a:gridCol w="2614612">
+                  <a:extLst>
+                    <a:ext uri="{9D8B030D-6E8A-4147-A177-3AD203B41FA5}">
+                      <a16:colId xmlns:a16="http://schemas.microsoft.com/office/drawing/2014/main" val="3434706790"/>
+                    </a:ext>
+                  </a:extLst>
+                </a:gridCol>
+                <a:gridCol w="4371975">
+                  <a:extLst>
+                    <a:ext uri="{9D8B030D-6E8A-4147-A177-3AD203B41FA5}">
+                      <a16:colId xmlns:a16="http://schemas.microsoft.com/office/drawing/2014/main" val="788220221"/>
+                    </a:ext>
+                  </a:extLst>
+                </a:gridCol>
+              </a:tblGrid>
+              <a:tr h="370840">
+                <a:tc>
+                  <a:txBody>
+                    <a:bodyPr/>
+                    <a:lstStyle/>
+                    <a:p>
+                      <a:r>
+                        <a:rPr lang="en-US" dirty="0"/>
+                        <a:t>Data Need</a:t>
+                      </a:r>
+                    </a:p>
+                  </a:txBody>
+                  <a:tcPr/>
+                </a:tc>
+                <a:tc>
+                  <a:txBody>
+                    <a:bodyPr/>
+                    <a:lstStyle/>
+                    <a:p>
+                      <a:r>
+                        <a:rPr lang="en-US" dirty="0"/>
+                        <a:t>Time Interval</a:t>
+                      </a:r>
+                    </a:p>
+                  </a:txBody>
+                  <a:tcPr/>
+                </a:tc>
+                <a:tc>
+                  <a:txBody>
+                    <a:bodyPr/>
+                    <a:lstStyle/>
+                    <a:p>
+                      <a:r>
+                        <a:rPr lang="en-US" dirty="0"/>
+                        <a:t>Recommendation</a:t>
+                      </a:r>
+                    </a:p>
+                  </a:txBody>
+                  <a:tcPr/>
+                </a:tc>
+                <a:extLst>
+                  <a:ext uri="{0D108BD9-81ED-4DB2-BD59-A6C34878D82A}">
+                    <a16:rowId xmlns:a16="http://schemas.microsoft.com/office/drawing/2014/main" val="4263374061"/>
+                  </a:ext>
+                </a:extLst>
+              </a:tr>
+              <a:tr h="370840">
+                <a:tc>
+                  <a:txBody>
+                    <a:bodyPr/>
+                    <a:lstStyle/>
+                    <a:p>
+                      <a:r>
+                        <a:rPr lang="en-US" dirty="0"/>
+                        <a:t>“Daily” High/Low Temps + Precipitation</a:t>
+                      </a:r>
+                    </a:p>
+                  </a:txBody>
+                  <a:tcPr/>
+                </a:tc>
+                <a:tc>
+                  <a:txBody>
+                    <a:bodyPr/>
+                    <a:lstStyle/>
+                    <a:p>
+                      <a:r>
+                        <a:rPr lang="en-US" dirty="0"/>
+                        <a:t>Daily</a:t>
+                      </a:r>
+                    </a:p>
+                  </a:txBody>
+                  <a:tcPr/>
+                </a:tc>
+                <a:tc>
+                  <a:txBody>
+                    <a:bodyPr/>
+                    <a:lstStyle/>
+                    <a:p>
+                      <a:r>
+                        <a:rPr lang="en-US" dirty="0"/>
+                        <a:t>NWS COOP</a:t>
+                      </a:r>
+                      <a:br>
+                        <a:rPr lang="en-US" dirty="0"/>
+                      </a:br>
+                      <a:r>
+                        <a:rPr lang="en-US" dirty="0"/>
+                        <a:t>IEM “Long Term Climate” / “</a:t>
+                      </a:r>
+                      <a:r>
+                        <a:rPr lang="en-US" dirty="0" err="1"/>
+                        <a:t>Climodat</a:t>
+                      </a:r>
+                      <a:r>
+                        <a:rPr lang="en-US" dirty="0"/>
+                        <a:t>”</a:t>
+                      </a:r>
+                    </a:p>
+                  </a:txBody>
+                  <a:tcPr/>
+                </a:tc>
+                <a:extLst>
+                  <a:ext uri="{0D108BD9-81ED-4DB2-BD59-A6C34878D82A}">
+                    <a16:rowId xmlns:a16="http://schemas.microsoft.com/office/drawing/2014/main" val="3392005990"/>
+                  </a:ext>
+                </a:extLst>
+              </a:tr>
+              <a:tr h="370840">
+                <a:tc>
+                  <a:txBody>
+                    <a:bodyPr/>
+                    <a:lstStyle/>
+                    <a:p>
+                      <a:r>
+                        <a:rPr lang="en-US" dirty="0"/>
+                        <a:t>Air Temperatures + Precipitation (not snow)</a:t>
+                      </a:r>
+                    </a:p>
+                  </a:txBody>
+                  <a:tcPr/>
+                </a:tc>
+                <a:tc>
+                  <a:txBody>
+                    <a:bodyPr/>
+                    <a:lstStyle/>
+                    <a:p>
+                      <a:r>
+                        <a:rPr lang="en-US" dirty="0"/>
+                        <a:t>Hourly</a:t>
+                      </a:r>
+                    </a:p>
+                  </a:txBody>
+                  <a:tcPr/>
+                </a:tc>
+                <a:tc>
+                  <a:txBody>
+                    <a:bodyPr/>
+                    <a:lstStyle/>
+                    <a:p>
+                      <a:r>
+                        <a:rPr lang="en-US" dirty="0"/>
+                        <a:t>ASOS/AWOS + ISU Soil Moisture</a:t>
+                      </a:r>
+                    </a:p>
+                  </a:txBody>
+                  <a:tcPr/>
+                </a:tc>
+                <a:extLst>
+                  <a:ext uri="{0D108BD9-81ED-4DB2-BD59-A6C34878D82A}">
+                    <a16:rowId xmlns:a16="http://schemas.microsoft.com/office/drawing/2014/main" val="1353517128"/>
+                  </a:ext>
+                </a:extLst>
+              </a:tr>
+              <a:tr h="370840">
+                <a:tc>
+                  <a:txBody>
+                    <a:bodyPr/>
+                    <a:lstStyle/>
+                    <a:p>
+                      <a:r>
+                        <a:rPr lang="en-US" dirty="0"/>
+                        <a:t>Wind</a:t>
+                      </a:r>
+                    </a:p>
+                  </a:txBody>
+                  <a:tcPr/>
+                </a:tc>
+                <a:tc>
+                  <a:txBody>
+                    <a:bodyPr/>
+                    <a:lstStyle/>
+                    <a:p>
+                      <a:r>
+                        <a:rPr lang="en-US" dirty="0"/>
+                        <a:t>Daily + Hourly</a:t>
+                      </a:r>
+                    </a:p>
+                  </a:txBody>
+                  <a:tcPr/>
+                </a:tc>
+                <a:tc>
+                  <a:txBody>
+                    <a:bodyPr/>
+                    <a:lstStyle/>
+                    <a:p>
+                      <a:r>
+                        <a:rPr lang="en-US" dirty="0"/>
+                        <a:t>ISU Soil</a:t>
+                      </a:r>
+                      <a:r>
+                        <a:rPr lang="en-US" baseline="0" dirty="0"/>
+                        <a:t> Moisture</a:t>
+                      </a:r>
+                      <a:br>
+                        <a:rPr lang="en-US" baseline="0" dirty="0"/>
+                      </a:br>
+                      <a:r>
+                        <a:rPr lang="en-US" baseline="0" dirty="0"/>
+                        <a:t>ASOS / AWOS (Airport weather stations)</a:t>
+                      </a:r>
+                      <a:endParaRPr lang="en-US" dirty="0"/>
+                    </a:p>
+                  </a:txBody>
+                  <a:tcPr/>
+                </a:tc>
+                <a:extLst>
+                  <a:ext uri="{0D108BD9-81ED-4DB2-BD59-A6C34878D82A}">
+                    <a16:rowId xmlns:a16="http://schemas.microsoft.com/office/drawing/2014/main" val="154310815"/>
+                  </a:ext>
+                </a:extLst>
+              </a:tr>
+              <a:tr h="370840">
+                <a:tc>
+                  <a:txBody>
+                    <a:bodyPr/>
+                    <a:lstStyle/>
+                    <a:p>
+                      <a:r>
+                        <a:rPr lang="en-US" dirty="0"/>
+                        <a:t>Solar</a:t>
+                      </a:r>
+                      <a:r>
+                        <a:rPr lang="en-US" baseline="0" dirty="0"/>
+                        <a:t> Radiation</a:t>
+                      </a:r>
+                      <a:endParaRPr lang="en-US" dirty="0"/>
+                    </a:p>
+                  </a:txBody>
+                  <a:tcPr/>
+                </a:tc>
+                <a:tc>
+                  <a:txBody>
+                    <a:bodyPr/>
+                    <a:lstStyle/>
+                    <a:p>
+                      <a:r>
+                        <a:rPr lang="en-US" dirty="0"/>
+                        <a:t>Daily + Hourly</a:t>
+                      </a:r>
+                    </a:p>
+                  </a:txBody>
+                  <a:tcPr/>
+                </a:tc>
+                <a:tc>
+                  <a:txBody>
+                    <a:bodyPr/>
+                    <a:lstStyle/>
+                    <a:p>
+                      <a:r>
+                        <a:rPr lang="en-US" dirty="0"/>
+                        <a:t>ISU Soil Moisture</a:t>
+                      </a:r>
+                    </a:p>
+                  </a:txBody>
+                  <a:tcPr/>
+                </a:tc>
+                <a:extLst>
+                  <a:ext uri="{0D108BD9-81ED-4DB2-BD59-A6C34878D82A}">
+                    <a16:rowId xmlns:a16="http://schemas.microsoft.com/office/drawing/2014/main" val="3782392942"/>
+                  </a:ext>
+                </a:extLst>
+              </a:tr>
+              <a:tr h="370840">
+                <a:tc>
+                  <a:txBody>
+                    <a:bodyPr/>
+                    <a:lstStyle/>
+                    <a:p>
+                      <a:r>
+                        <a:rPr lang="en-US" dirty="0"/>
+                        <a:t>Soil Temperature/Moisture</a:t>
+                      </a:r>
+                    </a:p>
+                  </a:txBody>
+                  <a:tcPr/>
+                </a:tc>
+                <a:tc>
+                  <a:txBody>
+                    <a:bodyPr/>
+                    <a:lstStyle/>
+                    <a:p>
+                      <a:r>
+                        <a:rPr lang="en-US" dirty="0"/>
+                        <a:t>Daily + Hourly</a:t>
+                      </a:r>
+                    </a:p>
+                  </a:txBody>
+                  <a:tcPr/>
+                </a:tc>
+                <a:tc>
+                  <a:txBody>
+                    <a:bodyPr/>
+                    <a:lstStyle/>
+                    <a:p>
+                      <a:r>
+                        <a:rPr lang="en-US" dirty="0"/>
+                        <a:t>ISU Soil Moisture / SCAN</a:t>
+                      </a:r>
+                    </a:p>
+                  </a:txBody>
+                  <a:tcPr/>
+                </a:tc>
+                <a:extLst>
+                  <a:ext uri="{0D108BD9-81ED-4DB2-BD59-A6C34878D82A}">
+                    <a16:rowId xmlns:a16="http://schemas.microsoft.com/office/drawing/2014/main" val="3290630416"/>
+                  </a:ext>
+                </a:extLst>
+              </a:tr>
+              <a:tr h="370840">
+                <a:tc>
+                  <a:txBody>
+                    <a:bodyPr/>
+                    <a:lstStyle/>
+                    <a:p>
+                      <a:r>
+                        <a:rPr lang="en-US" dirty="0"/>
+                        <a:t>Humidity</a:t>
+                      </a:r>
+                    </a:p>
+                  </a:txBody>
+                  <a:tcPr/>
+                </a:tc>
+                <a:tc>
+                  <a:txBody>
+                    <a:bodyPr/>
+                    <a:lstStyle/>
+                    <a:p>
+                      <a:r>
+                        <a:rPr lang="en-US" dirty="0"/>
+                        <a:t>Daily + Hourly</a:t>
+                      </a:r>
+                    </a:p>
+                  </a:txBody>
+                  <a:tcPr/>
+                </a:tc>
+                <a:tc>
+                  <a:txBody>
+                    <a:bodyPr/>
+                    <a:lstStyle/>
+                    <a:p>
+                      <a:pPr marL="0" marR="0" lvl="0" indent="0" algn="l" defTabSz="914400" rtl="0" eaLnBrk="1" fontAlgn="auto" latinLnBrk="0" hangingPunct="1">
+                        <a:lnSpc>
+                          <a:spcPct val="100000"/>
+                        </a:lnSpc>
+                        <a:spcBef>
+                          <a:spcPts val="0"/>
+                        </a:spcBef>
+                        <a:spcAft>
+                          <a:spcPts val="0"/>
+                        </a:spcAft>
+                        <a:buClrTx/>
+                        <a:buSzTx/>
+                        <a:buFontTx/>
+                        <a:buNone/>
+                        <a:tabLst/>
+                        <a:defRPr/>
+                      </a:pPr>
+                      <a:r>
+                        <a:rPr lang="en-US" dirty="0"/>
+                        <a:t>ISU Soil Moisture / ASOS / AWOS</a:t>
+                      </a:r>
+                    </a:p>
+                  </a:txBody>
+                  <a:tcPr/>
+                </a:tc>
+                <a:extLst>
+                  <a:ext uri="{0D108BD9-81ED-4DB2-BD59-A6C34878D82A}">
+                    <a16:rowId xmlns:a16="http://schemas.microsoft.com/office/drawing/2014/main" val="204870838"/>
+                  </a:ext>
+                </a:extLst>
+              </a:tr>
+            </a:tbl>
+          </a:graphicData>
+        </a:graphic>
+      </p:graphicFrame>
+    </p:spTree>
+    <p:extLst>
+      <p:ext uri="{BB962C8B-B14F-4D97-AF65-F5344CB8AC3E}">
+        <p14:creationId xmlns:p14="http://schemas.microsoft.com/office/powerpoint/2010/main" val="2280037357"/>
+      </p:ext>
+    </p:extLst>
+  </p:cSld>
+  <p:clrMapOvr>
+    <a:masterClrMapping/>
+  </p:clrMapOvr>
+</p:sld>
+</file>
+
+<file path=ppt/slides/slide7.xml><?xml version="1.0" encoding="utf-8"?>
+<p:sld xmlns:a="http://schemas.openxmlformats.org/drawingml/2006/main" xmlns:r="http://schemas.openxmlformats.org/officeDocument/2006/relationships" xmlns:p="http://schemas.openxmlformats.org/presentationml/2006/main">
+  <p:cSld>
+    <p:spTree>
+      <p:nvGrpSpPr>
+        <p:cNvPr id="1" name=""/>
+        <p:cNvGrpSpPr/>
+        <p:nvPr/>
+      </p:nvGrpSpPr>
+      <p:grpSpPr>
+        <a:xfrm>
+          <a:off x="0" y="0"/>
+          <a:ext cx="0" cy="0"/>
+          <a:chOff x="0" y="0"/>
+          <a:chExt cx="0" cy="0"/>
+        </a:xfrm>
+      </p:grpSpPr>
+      <p:pic>
+        <p:nvPicPr>
+          <p:cNvPr id="5" name="Picture 4"/>
+          <p:cNvPicPr>
+            <a:picLocks noChangeAspect="1"/>
+          </p:cNvPicPr>
+          <p:nvPr/>
+        </p:nvPicPr>
+        <p:blipFill>
+          <a:blip r:embed="rId2">
+            <a:extLst>
+              <a:ext uri="{28A0092B-C50C-407E-A947-70E740481C1C}">
+                <a14:useLocalDpi xmlns:a14="http://schemas.microsoft.com/office/drawing/2010/main" val="0"/>
+              </a:ext>
+            </a:extLst>
+          </a:blip>
+          <a:stretch>
+            <a:fillRect/>
+          </a:stretch>
+        </p:blipFill>
+        <p:spPr>
+          <a:xfrm>
+            <a:off x="1676401" y="0"/>
+            <a:ext cx="5116889" cy="6858000"/>
+          </a:xfrm>
+          <a:prstGeom prst="rect">
+            <a:avLst/>
+          </a:prstGeom>
+        </p:spPr>
+      </p:pic>
+      <p:sp>
+        <p:nvSpPr>
+          <p:cNvPr id="6" name="TextBox 5"/>
+          <p:cNvSpPr txBox="1"/>
+          <p:nvPr/>
+        </p:nvSpPr>
+        <p:spPr>
+          <a:xfrm>
+            <a:off x="7467600" y="920746"/>
+            <a:ext cx="1668214" cy="369332"/>
+          </a:xfrm>
+          <a:prstGeom prst="rect">
+            <a:avLst/>
+          </a:prstGeom>
+          <a:noFill/>
+        </p:spPr>
+        <p:txBody>
+          <a:bodyPr wrap="none" rtlCol="0">
+            <a:spAutoFit/>
+          </a:bodyPr>
+          <a:lstStyle/>
+          <a:p>
+            <a:r>
+              <a:rPr lang="en-US" dirty="0"/>
+              <a:t>Select Plot Type</a:t>
+            </a:r>
+          </a:p>
+        </p:txBody>
+      </p:sp>
+      <p:sp>
+        <p:nvSpPr>
+          <p:cNvPr id="7" name="TextBox 6"/>
+          <p:cNvSpPr txBox="1"/>
+          <p:nvPr/>
+        </p:nvSpPr>
+        <p:spPr>
+          <a:xfrm>
+            <a:off x="7467601" y="2031480"/>
+            <a:ext cx="1961371" cy="369332"/>
+          </a:xfrm>
+          <a:prstGeom prst="rect">
+            <a:avLst/>
+          </a:prstGeom>
+          <a:noFill/>
+        </p:spPr>
+        <p:txBody>
+          <a:bodyPr wrap="none" rtlCol="0">
+            <a:spAutoFit/>
+          </a:bodyPr>
+          <a:lstStyle/>
+          <a:p>
+            <a:r>
+              <a:rPr lang="en-US" dirty="0"/>
+              <a:t>Select Plot Options</a:t>
+            </a:r>
+          </a:p>
+        </p:txBody>
+      </p:sp>
+      <p:sp>
+        <p:nvSpPr>
+          <p:cNvPr id="8" name="TextBox 7"/>
+          <p:cNvSpPr txBox="1"/>
+          <p:nvPr/>
+        </p:nvSpPr>
+        <p:spPr>
+          <a:xfrm>
+            <a:off x="7467600" y="3068936"/>
+            <a:ext cx="1257652" cy="369332"/>
+          </a:xfrm>
+          <a:prstGeom prst="rect">
+            <a:avLst/>
+          </a:prstGeom>
+          <a:noFill/>
+        </p:spPr>
+        <p:txBody>
+          <a:bodyPr wrap="none" rtlCol="0">
+            <a:spAutoFit/>
+          </a:bodyPr>
+          <a:lstStyle/>
+          <a:p>
+            <a:r>
+              <a:rPr lang="en-US" dirty="0"/>
+              <a:t>Description</a:t>
+            </a:r>
+          </a:p>
+        </p:txBody>
+      </p:sp>
+      <p:sp>
+        <p:nvSpPr>
+          <p:cNvPr id="9" name="TextBox 8"/>
+          <p:cNvSpPr txBox="1"/>
+          <p:nvPr/>
+        </p:nvSpPr>
+        <p:spPr>
+          <a:xfrm>
+            <a:off x="7467600" y="4572000"/>
+            <a:ext cx="2368212" cy="369332"/>
+          </a:xfrm>
+          <a:prstGeom prst="rect">
+            <a:avLst/>
+          </a:prstGeom>
+          <a:noFill/>
+        </p:spPr>
+        <p:txBody>
+          <a:bodyPr wrap="none" rtlCol="0">
+            <a:spAutoFit/>
+          </a:bodyPr>
+          <a:lstStyle/>
+          <a:p>
+            <a:r>
+              <a:rPr lang="en-US" dirty="0"/>
+              <a:t>Custom Generated Plot</a:t>
+            </a:r>
+          </a:p>
+        </p:txBody>
+      </p:sp>
+      <p:sp>
+        <p:nvSpPr>
+          <p:cNvPr id="10" name="TextBox 9"/>
+          <p:cNvSpPr txBox="1"/>
+          <p:nvPr/>
+        </p:nvSpPr>
+        <p:spPr>
+          <a:xfrm>
+            <a:off x="7467601" y="5867400"/>
+            <a:ext cx="2749663" cy="369332"/>
+          </a:xfrm>
+          <a:prstGeom prst="rect">
+            <a:avLst/>
+          </a:prstGeom>
+          <a:noFill/>
+        </p:spPr>
+        <p:txBody>
+          <a:bodyPr wrap="none" rtlCol="0">
+            <a:spAutoFit/>
+          </a:bodyPr>
+          <a:lstStyle/>
+          <a:p>
+            <a:r>
+              <a:rPr lang="en-US" dirty="0"/>
+              <a:t>Download Raw Data (Excel)</a:t>
+            </a:r>
+          </a:p>
+        </p:txBody>
+      </p:sp>
+      <p:cxnSp>
+        <p:nvCxnSpPr>
+          <p:cNvPr id="13" name="Straight Arrow Connector 12"/>
+          <p:cNvCxnSpPr>
+            <a:stCxn id="6" idx="1"/>
+          </p:cNvCxnSpPr>
+          <p:nvPr/>
+        </p:nvCxnSpPr>
+        <p:spPr>
+          <a:xfrm flipH="1" flipV="1">
+            <a:off x="6793290" y="533400"/>
+            <a:ext cx="674311" cy="572012"/>
+          </a:xfrm>
+          <a:prstGeom prst="straightConnector1">
+            <a:avLst/>
+          </a:prstGeom>
+          <a:ln w="76200">
+            <a:tailEnd type="triangle"/>
+          </a:ln>
+        </p:spPr>
+        <p:style>
+          <a:lnRef idx="1">
+            <a:schemeClr val="accent1"/>
+          </a:lnRef>
+          <a:fillRef idx="0">
+            <a:schemeClr val="accent1"/>
+          </a:fillRef>
+          <a:effectRef idx="0">
+            <a:schemeClr val="accent1"/>
+          </a:effectRef>
+          <a:fontRef idx="minor">
+            <a:schemeClr val="tx1"/>
+          </a:fontRef>
+        </p:style>
+      </p:cxnSp>
+      <p:cxnSp>
+        <p:nvCxnSpPr>
+          <p:cNvPr id="14" name="Straight Arrow Connector 13"/>
+          <p:cNvCxnSpPr/>
+          <p:nvPr/>
+        </p:nvCxnSpPr>
+        <p:spPr>
+          <a:xfrm flipH="1" flipV="1">
+            <a:off x="6793290" y="1958202"/>
+            <a:ext cx="674311" cy="244124"/>
+          </a:xfrm>
+          <a:prstGeom prst="straightConnector1">
+            <a:avLst/>
+          </a:prstGeom>
+          <a:ln w="76200">
+            <a:tailEnd type="triangle"/>
+          </a:ln>
+        </p:spPr>
+        <p:style>
+          <a:lnRef idx="1">
+            <a:schemeClr val="accent1"/>
+          </a:lnRef>
+          <a:fillRef idx="0">
+            <a:schemeClr val="accent1"/>
+          </a:fillRef>
+          <a:effectRef idx="0">
+            <a:schemeClr val="accent1"/>
+          </a:effectRef>
+          <a:fontRef idx="minor">
+            <a:schemeClr val="tx1"/>
+          </a:fontRef>
+        </p:style>
+      </p:cxnSp>
+      <p:cxnSp>
+        <p:nvCxnSpPr>
+          <p:cNvPr id="16" name="Straight Arrow Connector 15"/>
+          <p:cNvCxnSpPr>
+            <a:endCxn id="5" idx="3"/>
+          </p:cNvCxnSpPr>
+          <p:nvPr/>
+        </p:nvCxnSpPr>
+        <p:spPr>
+          <a:xfrm flipH="1">
+            <a:off x="6793290" y="3254706"/>
+            <a:ext cx="674311" cy="174295"/>
+          </a:xfrm>
+          <a:prstGeom prst="straightConnector1">
+            <a:avLst/>
+          </a:prstGeom>
+          <a:ln w="76200">
+            <a:tailEnd type="triangle"/>
+          </a:ln>
+        </p:spPr>
+        <p:style>
+          <a:lnRef idx="1">
+            <a:schemeClr val="accent1"/>
+          </a:lnRef>
+          <a:fillRef idx="0">
+            <a:schemeClr val="accent1"/>
+          </a:fillRef>
+          <a:effectRef idx="0">
+            <a:schemeClr val="accent1"/>
+          </a:effectRef>
+          <a:fontRef idx="minor">
+            <a:schemeClr val="tx1"/>
+          </a:fontRef>
+        </p:style>
+      </p:cxnSp>
+      <p:cxnSp>
+        <p:nvCxnSpPr>
+          <p:cNvPr id="18" name="Straight Arrow Connector 17"/>
+          <p:cNvCxnSpPr/>
+          <p:nvPr/>
+        </p:nvCxnSpPr>
+        <p:spPr>
+          <a:xfrm flipH="1">
+            <a:off x="3810000" y="6132752"/>
+            <a:ext cx="3657600" cy="551197"/>
+          </a:xfrm>
+          <a:prstGeom prst="straightConnector1">
+            <a:avLst/>
+          </a:prstGeom>
+          <a:ln w="76200">
+            <a:tailEnd type="triangle"/>
+          </a:ln>
+        </p:spPr>
+        <p:style>
+          <a:lnRef idx="1">
+            <a:schemeClr val="accent1"/>
+          </a:lnRef>
+          <a:fillRef idx="0">
+            <a:schemeClr val="accent1"/>
+          </a:fillRef>
+          <a:effectRef idx="0">
+            <a:schemeClr val="accent1"/>
+          </a:effectRef>
+          <a:fontRef idx="minor">
+            <a:schemeClr val="tx1"/>
+          </a:fontRef>
+        </p:style>
+      </p:cxnSp>
+      <p:cxnSp>
+        <p:nvCxnSpPr>
+          <p:cNvPr id="19" name="Straight Arrow Connector 18"/>
+          <p:cNvCxnSpPr/>
+          <p:nvPr/>
+        </p:nvCxnSpPr>
+        <p:spPr>
+          <a:xfrm flipH="1">
+            <a:off x="5334000" y="4720612"/>
+            <a:ext cx="2130674" cy="561693"/>
+          </a:xfrm>
+          <a:prstGeom prst="straightConnector1">
+            <a:avLst/>
+          </a:prstGeom>
+          <a:ln w="76200">
+            <a:tailEnd type="triangle"/>
+          </a:ln>
+        </p:spPr>
+        <p:style>
+          <a:lnRef idx="1">
+            <a:schemeClr val="accent1"/>
+          </a:lnRef>
+          <a:fillRef idx="0">
+            <a:schemeClr val="accent1"/>
+          </a:fillRef>
+          <a:effectRef idx="0">
+            <a:schemeClr val="accent1"/>
+          </a:effectRef>
+          <a:fontRef idx="minor">
+            <a:schemeClr val="tx1"/>
+          </a:fontRef>
+        </p:style>
+      </p:cxnSp>
+      <p:sp>
+        <p:nvSpPr>
+          <p:cNvPr id="23" name="TextBox 22"/>
+          <p:cNvSpPr txBox="1"/>
+          <p:nvPr/>
+        </p:nvSpPr>
+        <p:spPr>
+          <a:xfrm>
+            <a:off x="7385224" y="134105"/>
+            <a:ext cx="3202287" cy="584775"/>
+          </a:xfrm>
+          <a:prstGeom prst="rect">
+            <a:avLst/>
+          </a:prstGeom>
+          <a:noFill/>
+        </p:spPr>
+        <p:txBody>
+          <a:bodyPr wrap="none" rtlCol="0">
+            <a:spAutoFit/>
+          </a:bodyPr>
+          <a:lstStyle/>
+          <a:p>
+            <a:r>
+              <a:rPr lang="en-US" sz="3200" b="1" dirty="0"/>
+              <a:t>IEM Auto Plotting</a:t>
+            </a:r>
+          </a:p>
+        </p:txBody>
+      </p:sp>
+    </p:spTree>
+    <p:extLst>
+      <p:ext uri="{BB962C8B-B14F-4D97-AF65-F5344CB8AC3E}">
+        <p14:creationId xmlns:p14="http://schemas.microsoft.com/office/powerpoint/2010/main" val="1221855478"/>
+      </p:ext>
+    </p:extLst>
+  </p:cSld>
+  <p:clrMapOvr>
+    <a:masterClrMapping/>
+  </p:clrMapOvr>
+</p:sld>
+</file>
+
+<file path=ppt/slides/slide8.xml><?xml version="1.0" encoding="utf-8"?>
+<p:sld xmlns:a="http://schemas.openxmlformats.org/drawingml/2006/main" xmlns:r="http://schemas.openxmlformats.org/officeDocument/2006/relationships" xmlns:p="http://schemas.openxmlformats.org/presentationml/2006/main">
+  <p:cSld>
+    <p:spTree>
+      <p:nvGrpSpPr>
+        <p:cNvPr id="1" name=""/>
+        <p:cNvGrpSpPr/>
+        <p:nvPr/>
+      </p:nvGrpSpPr>
+      <p:grpSpPr>
+        <a:xfrm>
+          <a:off x="0" y="0"/>
+          <a:ext cx="0" cy="0"/>
+          <a:chOff x="0" y="0"/>
+          <a:chExt cx="0" cy="0"/>
+        </a:xfrm>
+      </p:grpSpPr>
+      <p:sp>
+        <p:nvSpPr>
+          <p:cNvPr id="4" name="Title 3"/>
+          <p:cNvSpPr>
+            <a:spLocks noGrp="1"/>
+          </p:cNvSpPr>
+          <p:nvPr>
+            <p:ph type="title"/>
+          </p:nvPr>
+        </p:nvSpPr>
+        <p:spPr/>
+        <p:txBody>
+          <a:bodyPr>
+            <a:normAutofit/>
+          </a:bodyPr>
+          <a:lstStyle/>
+          <a:p>
+            <a:r>
+              <a:rPr lang="en-US" dirty="0"/>
+              <a:t>Data Variables to Discuss</a:t>
+            </a:r>
+          </a:p>
+        </p:txBody>
+      </p:sp>
+      <p:sp>
+        <p:nvSpPr>
+          <p:cNvPr id="5" name="TextBox 4"/>
+          <p:cNvSpPr txBox="1"/>
+          <p:nvPr/>
+        </p:nvSpPr>
+        <p:spPr>
+          <a:xfrm>
+            <a:off x="838200" y="2133600"/>
+            <a:ext cx="9514286" cy="2308324"/>
+          </a:xfrm>
+          <a:prstGeom prst="rect">
+            <a:avLst/>
+          </a:prstGeom>
+          <a:noFill/>
+        </p:spPr>
+        <p:txBody>
+          <a:bodyPr wrap="square" rtlCol="0">
+            <a:spAutoFit/>
+          </a:bodyPr>
+          <a:lstStyle/>
+          <a:p>
+            <a:r>
+              <a:rPr lang="en-US" sz="3600" b="1" dirty="0"/>
+              <a:t>Air Temperature, Humidity, and Wind</a:t>
+            </a:r>
+          </a:p>
+          <a:p>
+            <a:r>
+              <a:rPr lang="en-US" sz="3600" dirty="0">
+                <a:solidFill>
+                  <a:schemeClr val="bg2">
+                    <a:lumMod val="75000"/>
+                  </a:schemeClr>
+                </a:solidFill>
+              </a:rPr>
+              <a:t>Precipitation</a:t>
+            </a:r>
+          </a:p>
+          <a:p>
+            <a:r>
+              <a:rPr lang="en-US" sz="3600" dirty="0">
+                <a:solidFill>
+                  <a:schemeClr val="bg2">
+                    <a:lumMod val="75000"/>
+                  </a:schemeClr>
+                </a:solidFill>
+              </a:rPr>
+              <a:t>Soil Moisture/Temperature</a:t>
+            </a:r>
+          </a:p>
+          <a:p>
+            <a:r>
+              <a:rPr lang="en-US" sz="3600" dirty="0">
+                <a:solidFill>
+                  <a:schemeClr val="bg2">
+                    <a:lumMod val="75000"/>
+                  </a:schemeClr>
+                </a:solidFill>
+              </a:rPr>
+              <a:t>Solar Radiation</a:t>
+            </a:r>
+          </a:p>
+        </p:txBody>
+      </p:sp>
+    </p:spTree>
+    <p:extLst>
+      <p:ext uri="{BB962C8B-B14F-4D97-AF65-F5344CB8AC3E}">
+        <p14:creationId xmlns:p14="http://schemas.microsoft.com/office/powerpoint/2010/main" val="2484500381"/>
+      </p:ext>
+    </p:extLst>
+  </p:cSld>
+  <p:clrMapOvr>
+    <a:masterClrMapping/>
+  </p:clrMapOvr>
+</p:sld>
+</file>
+
+<file path=ppt/slides/slide9.xml><?xml version="1.0" encoding="utf-8"?>
+<p:sld xmlns:a="http://schemas.openxmlformats.org/drawingml/2006/main" xmlns:r="http://schemas.openxmlformats.org/officeDocument/2006/relationships" xmlns:p="http://schemas.openxmlformats.org/presentationml/2006/main">
+  <p:cSld>
+    <p:spTree>
+      <p:nvGrpSpPr>
+        <p:cNvPr id="1" name=""/>
+        <p:cNvGrpSpPr/>
+        <p:nvPr/>
+      </p:nvGrpSpPr>
+      <p:grpSpPr>
+        <a:xfrm>
+          <a:off x="0" y="0"/>
+          <a:ext cx="0" cy="0"/>
+          <a:chOff x="0" y="0"/>
+          <a:chExt cx="0" cy="0"/>
+        </a:xfrm>
+      </p:grpSpPr>
+      <p:sp>
+        <p:nvSpPr>
+          <p:cNvPr id="4" name="Title 3"/>
+          <p:cNvSpPr>
+            <a:spLocks noGrp="1"/>
+          </p:cNvSpPr>
+          <p:nvPr>
+            <p:ph type="title"/>
+          </p:nvPr>
+        </p:nvSpPr>
+        <p:spPr/>
+        <p:txBody>
+          <a:bodyPr/>
+          <a:lstStyle/>
+          <a:p>
+            <a:r>
+              <a:rPr lang="en-US" dirty="0"/>
+              <a:t>February vs August Wind Rose</a:t>
+            </a:r>
+          </a:p>
+        </p:txBody>
+      </p:sp>
+      <p:pic>
+        <p:nvPicPr>
+          <p:cNvPr id="7" name="Content Placeholder 6"/>
+          <p:cNvPicPr>
+            <a:picLocks noGrp="1" noChangeAspect="1"/>
+          </p:cNvPicPr>
+          <p:nvPr>
+            <p:ph sz="half" idx="1"/>
+          </p:nvPr>
+        </p:nvPicPr>
+        <p:blipFill>
+          <a:blip r:embed="rId2">
+            <a:extLst>
+              <a:ext uri="{28A0092B-C50C-407E-A947-70E740481C1C}">
+                <a14:useLocalDpi xmlns:a14="http://schemas.microsoft.com/office/drawing/2010/main" val="0"/>
+              </a:ext>
+            </a:extLst>
+          </a:blip>
+          <a:stretch>
+            <a:fillRect/>
+          </a:stretch>
+        </p:blipFill>
+        <p:spPr>
+          <a:xfrm>
+            <a:off x="1981200" y="1843881"/>
+            <a:ext cx="4038600" cy="4038600"/>
+          </a:xfrm>
+        </p:spPr>
+      </p:pic>
+      <p:pic>
+        <p:nvPicPr>
+          <p:cNvPr id="8" name="Content Placeholder 7"/>
+          <p:cNvPicPr>
+            <a:picLocks noGrp="1" noChangeAspect="1"/>
+          </p:cNvPicPr>
+          <p:nvPr>
+            <p:ph sz="half" idx="2"/>
+          </p:nvPr>
+        </p:nvPicPr>
+        <p:blipFill>
+          <a:blip r:embed="rId3">
+            <a:extLst>
+              <a:ext uri="{28A0092B-C50C-407E-A947-70E740481C1C}">
+                <a14:useLocalDpi xmlns:a14="http://schemas.microsoft.com/office/drawing/2010/main" val="0"/>
+              </a:ext>
+            </a:extLst>
+          </a:blip>
+          <a:stretch>
+            <a:fillRect/>
+          </a:stretch>
+        </p:blipFill>
+        <p:spPr>
+          <a:xfrm>
+            <a:off x="6172200" y="1843881"/>
+            <a:ext cx="4038600" cy="4038600"/>
+          </a:xfrm>
+        </p:spPr>
+      </p:pic>
+      <p:sp>
+        <p:nvSpPr>
+          <p:cNvPr id="9" name="TextBox 8"/>
+          <p:cNvSpPr txBox="1"/>
+          <p:nvPr/>
+        </p:nvSpPr>
+        <p:spPr>
+          <a:xfrm>
+            <a:off x="5504964" y="6019800"/>
+            <a:ext cx="1048236" cy="369332"/>
+          </a:xfrm>
+          <a:prstGeom prst="rect">
+            <a:avLst/>
+          </a:prstGeom>
+          <a:noFill/>
+        </p:spPr>
+        <p:txBody>
+          <a:bodyPr wrap="none" rtlCol="0">
+            <a:spAutoFit/>
+          </a:bodyPr>
+          <a:lstStyle/>
+          <a:p>
+            <a:r>
+              <a:rPr lang="en-US" dirty="0">
+                <a:hlinkClick r:id="rId4"/>
+              </a:rPr>
+              <a:t>Web Link</a:t>
+            </a:r>
+            <a:endParaRPr lang="en-US" dirty="0"/>
+          </a:p>
+        </p:txBody>
+      </p:sp>
+    </p:spTree>
+    <p:extLst>
+      <p:ext uri="{BB962C8B-B14F-4D97-AF65-F5344CB8AC3E}">
+        <p14:creationId xmlns:p14="http://schemas.microsoft.com/office/powerpoint/2010/main" val="791534820"/>
       </p:ext>
     </p:extLst>
   </p:cSld>
